--- a/oozie-mahout v1.2.pptx
+++ b/oozie-mahout v1.2.pptx
@@ -5,43 +5,44 @@
     <p:sldMasterId id="2147483648" r:id="rId4"/>
   </p:sldMasterIdLst>
   <p:notesMasterIdLst>
-    <p:notesMasterId r:id="rId36"/>
+    <p:notesMasterId r:id="rId37"/>
   </p:notesMasterIdLst>
   <p:handoutMasterIdLst>
-    <p:handoutMasterId r:id="rId37"/>
+    <p:handoutMasterId r:id="rId38"/>
   </p:handoutMasterIdLst>
   <p:sldIdLst>
     <p:sldId id="531" r:id="rId5"/>
-    <p:sldId id="618" r:id="rId6"/>
-    <p:sldId id="623" r:id="rId7"/>
-    <p:sldId id="624" r:id="rId8"/>
-    <p:sldId id="2441" r:id="rId9"/>
-    <p:sldId id="2442" r:id="rId10"/>
-    <p:sldId id="2444" r:id="rId11"/>
-    <p:sldId id="2445" r:id="rId12"/>
-    <p:sldId id="2446" r:id="rId13"/>
-    <p:sldId id="2448" r:id="rId14"/>
-    <p:sldId id="2449" r:id="rId15"/>
-    <p:sldId id="2450" r:id="rId16"/>
-    <p:sldId id="619" r:id="rId17"/>
-    <p:sldId id="2452" r:id="rId18"/>
-    <p:sldId id="2453" r:id="rId19"/>
-    <p:sldId id="2454" r:id="rId20"/>
-    <p:sldId id="2455" r:id="rId21"/>
-    <p:sldId id="2456" r:id="rId22"/>
-    <p:sldId id="2458" r:id="rId23"/>
-    <p:sldId id="2459" r:id="rId24"/>
-    <p:sldId id="2460" r:id="rId25"/>
-    <p:sldId id="2461" r:id="rId26"/>
-    <p:sldId id="2451" r:id="rId27"/>
-    <p:sldId id="541" r:id="rId28"/>
-    <p:sldId id="2439" r:id="rId29"/>
-    <p:sldId id="2462" r:id="rId30"/>
-    <p:sldId id="2463" r:id="rId31"/>
-    <p:sldId id="2464" r:id="rId32"/>
-    <p:sldId id="2465" r:id="rId33"/>
-    <p:sldId id="2438" r:id="rId34"/>
-    <p:sldId id="2434" r:id="rId35"/>
+    <p:sldId id="2466" r:id="rId6"/>
+    <p:sldId id="618" r:id="rId7"/>
+    <p:sldId id="623" r:id="rId8"/>
+    <p:sldId id="624" r:id="rId9"/>
+    <p:sldId id="2441" r:id="rId10"/>
+    <p:sldId id="2442" r:id="rId11"/>
+    <p:sldId id="2444" r:id="rId12"/>
+    <p:sldId id="2445" r:id="rId13"/>
+    <p:sldId id="2446" r:id="rId14"/>
+    <p:sldId id="2448" r:id="rId15"/>
+    <p:sldId id="2449" r:id="rId16"/>
+    <p:sldId id="2450" r:id="rId17"/>
+    <p:sldId id="619" r:id="rId18"/>
+    <p:sldId id="2452" r:id="rId19"/>
+    <p:sldId id="2453" r:id="rId20"/>
+    <p:sldId id="2454" r:id="rId21"/>
+    <p:sldId id="2455" r:id="rId22"/>
+    <p:sldId id="2456" r:id="rId23"/>
+    <p:sldId id="2458" r:id="rId24"/>
+    <p:sldId id="2459" r:id="rId25"/>
+    <p:sldId id="2460" r:id="rId26"/>
+    <p:sldId id="2461" r:id="rId27"/>
+    <p:sldId id="2451" r:id="rId28"/>
+    <p:sldId id="541" r:id="rId29"/>
+    <p:sldId id="2439" r:id="rId30"/>
+    <p:sldId id="2462" r:id="rId31"/>
+    <p:sldId id="2463" r:id="rId32"/>
+    <p:sldId id="2464" r:id="rId33"/>
+    <p:sldId id="2465" r:id="rId34"/>
+    <p:sldId id="2438" r:id="rId35"/>
+    <p:sldId id="2434" r:id="rId36"/>
   </p:sldIdLst>
   <p:sldSz cx="12192000" cy="6858000"/>
   <p:notesSz cx="6858000" cy="9144000"/>
@@ -258,7 +259,7 @@
             <a:pPr rtl="0"/>
             <a:fld id="{2EF8E5C7-7267-4DA6-B602-A3579518A6FF}" type="datetime1">
               <a:rPr lang="fr-FR" smtClean="0"/>
-              <a:t>26/03/2020</a:t>
+              <a:t>27/03/2020</a:t>
             </a:fld>
             <a:endParaRPr lang="fr-FR"/>
           </a:p>
@@ -440,7 +441,7 @@
             <a:pPr rtl="0"/>
             <a:fld id="{C1394718-F3C7-44E1-8C45-8486E662091E}" type="datetime1">
               <a:rPr lang="fr-FR" noProof="0" smtClean="0"/>
-              <a:t>26/03/2020</a:t>
+              <a:t>27/03/2020</a:t>
             </a:fld>
             <a:endParaRPr lang="fr-FR" noProof="0"/>
           </a:p>
@@ -864,7 +865,7 @@
             <a:pPr rtl="0"/>
             <a:fld id="{C22109BC-39F4-43B1-850C-D5EB0E6480C8}" type="slidenum">
               <a:rPr lang="fr-FR" smtClean="0"/>
-              <a:t>31</a:t>
+              <a:t>32</a:t>
             </a:fld>
             <a:endParaRPr lang="fr-FR"/>
           </a:p>
@@ -950,7 +951,7 @@
             <a:pPr rtl="0"/>
             <a:fld id="{C22109BC-39F4-43B1-850C-D5EB0E6480C8}" type="slidenum">
               <a:rPr lang="fr-FR" smtClean="0"/>
-              <a:t>2</a:t>
+              <a:t>3</a:t>
             </a:fld>
             <a:endParaRPr lang="fr-FR"/>
           </a:p>
@@ -1036,7 +1037,7 @@
             <a:pPr rtl="0"/>
             <a:fld id="{C22109BC-39F4-43B1-850C-D5EB0E6480C8}" type="slidenum">
               <a:rPr lang="fr-FR" smtClean="0"/>
-              <a:t>3</a:t>
+              <a:t>4</a:t>
             </a:fld>
             <a:endParaRPr lang="fr-FR"/>
           </a:p>
@@ -1122,7 +1123,7 @@
             <a:pPr rtl="0"/>
             <a:fld id="{C22109BC-39F4-43B1-850C-D5EB0E6480C8}" type="slidenum">
               <a:rPr lang="fr-FR" smtClean="0"/>
-              <a:t>4</a:t>
+              <a:t>5</a:t>
             </a:fld>
             <a:endParaRPr lang="fr-FR"/>
           </a:p>
@@ -1208,7 +1209,7 @@
             <a:pPr rtl="0"/>
             <a:fld id="{35EFD187-7D74-4BFC-B925-AD91EFADB35C}" type="slidenum">
               <a:rPr lang="fr-FR" smtClean="0"/>
-              <a:t>13</a:t>
+              <a:t>14</a:t>
             </a:fld>
             <a:endParaRPr lang="fr-FR"/>
           </a:p>
@@ -1294,7 +1295,7 @@
             <a:pPr rtl="0"/>
             <a:fld id="{35EFD187-7D74-4BFC-B925-AD91EFADB35C}" type="slidenum">
               <a:rPr lang="fr-FR" smtClean="0"/>
-              <a:t>23</a:t>
+              <a:t>24</a:t>
             </a:fld>
             <a:endParaRPr lang="fr-FR"/>
           </a:p>
@@ -1380,7 +1381,7 @@
             <a:pPr rtl="0"/>
             <a:fld id="{C22109BC-39F4-43B1-850C-D5EB0E6480C8}" type="slidenum">
               <a:rPr lang="fr-FR" smtClean="0"/>
-              <a:t>24</a:t>
+              <a:t>25</a:t>
             </a:fld>
             <a:endParaRPr lang="fr-FR"/>
           </a:p>
@@ -1466,7 +1467,7 @@
             <a:pPr rtl="0"/>
             <a:fld id="{C22109BC-39F4-43B1-850C-D5EB0E6480C8}" type="slidenum">
               <a:rPr lang="fr-FR" smtClean="0"/>
-              <a:t>25</a:t>
+              <a:t>26</a:t>
             </a:fld>
             <a:endParaRPr lang="fr-FR"/>
           </a:p>
@@ -1552,7 +1553,7 @@
             <a:pPr rtl="0"/>
             <a:fld id="{C22109BC-39F4-43B1-850C-D5EB0E6480C8}" type="slidenum">
               <a:rPr lang="fr-FR" smtClean="0"/>
-              <a:t>30</a:t>
+              <a:t>31</a:t>
             </a:fld>
             <a:endParaRPr lang="fr-FR"/>
           </a:p>
@@ -10567,7 +10568,7 @@
           </a:ln>
           <a:extLst>
             <a:ext uri="{C572A759-6A51-4108-AA02-DFA0A04FC94B}">
-              <ma14:wrappingTextBoxFlag xmlns:ma14="http://schemas.microsoft.com/office/mac/drawingml/2011/main" xmlns="" val="1"/>
+              <ma14:wrappingTextBoxFlag xmlns="" xmlns:ma14="http://schemas.microsoft.com/office/mac/drawingml/2011/main" val="1"/>
             </a:ext>
           </a:extLst>
         </p:spPr>
@@ -11694,7 +11695,7 @@
                   <a14:useLocalDpi xmlns:a14="http://schemas.microsoft.com/office/drawing/2010/main"/>
                 </a:ext>
                 <a:ext uri="{96DAC541-7B7A-43D3-8B79-37D633B846F1}">
-                  <asvg:svgBlip xmlns:asvg="http://schemas.microsoft.com/office/drawing/2016/SVG/main" r:embed="rId4"/>
+                  <asvg:svgBlip xmlns:asvg="http://schemas.microsoft.com/office/drawing/2016/SVG/main" xmlns="" r:embed="rId4"/>
                 </a:ext>
               </a:extLst>
             </a:blip>
@@ -12004,7 +12005,7 @@
                   <a14:useLocalDpi xmlns:a14="http://schemas.microsoft.com/office/drawing/2010/main"/>
                 </a:ext>
                 <a:ext uri="{96DAC541-7B7A-43D3-8B79-37D633B846F1}">
-                  <asvg:svgBlip xmlns:asvg="http://schemas.microsoft.com/office/drawing/2016/SVG/main" r:embed="rId4"/>
+                  <asvg:svgBlip xmlns:asvg="http://schemas.microsoft.com/office/drawing/2016/SVG/main" xmlns="" r:embed="rId4"/>
                 </a:ext>
               </a:extLst>
             </a:blip>
@@ -12305,7 +12306,7 @@
                   <a14:useLocalDpi xmlns:a14="http://schemas.microsoft.com/office/drawing/2010/main"/>
                 </a:ext>
                 <a:ext uri="{96DAC541-7B7A-43D3-8B79-37D633B846F1}">
-                  <asvg:svgBlip xmlns:asvg="http://schemas.microsoft.com/office/drawing/2016/SVG/main" r:embed="rId4"/>
+                  <asvg:svgBlip xmlns:asvg="http://schemas.microsoft.com/office/drawing/2016/SVG/main" xmlns="" r:embed="rId4"/>
                 </a:ext>
               </a:extLst>
             </a:blip>
@@ -12836,59 +12837,40 @@
           <a:chExt cx="0" cy="0"/>
         </a:xfrm>
       </p:grpSpPr>
-      <p:sp>
-        <p:nvSpPr>
-          <p:cNvPr id="2" name="Espace réservé du contenu 1">
+      <p:pic>
+        <p:nvPicPr>
+          <p:cNvPr id="6" name="Espace réservé du contenu 5">
             <a:extLst>
               <a:ext uri="{FF2B5EF4-FFF2-40B4-BE49-F238E27FC236}">
-                <a16:creationId xmlns:a16="http://schemas.microsoft.com/office/drawing/2014/main" id="{AD51FF38-5566-463F-81F0-D48DFC01793C}"/>
+                <a16:creationId xmlns:a16="http://schemas.microsoft.com/office/drawing/2014/main" id="{1C1280A8-54AB-4802-9A86-8E4D7FBD0803}"/>
               </a:ext>
             </a:extLst>
           </p:cNvPr>
-          <p:cNvSpPr>
-            <a:spLocks noGrp="1"/>
-          </p:cNvSpPr>
+          <p:cNvPicPr>
+            <a:picLocks noGrp="1" noChangeAspect="1"/>
+          </p:cNvPicPr>
           <p:nvPr>
             <p:ph idx="1"/>
           </p:nvPr>
-        </p:nvSpPr>
-        <p:spPr/>
-        <p:txBody>
-          <a:bodyPr anchor="ctr"/>
-          <a:lstStyle/>
-          <a:p>
-            <a:pPr marL="0" indent="0">
-              <a:buNone/>
-            </a:pPr>
-            <a:r>
-              <a:rPr lang="fr-FR" dirty="0"/>
-              <a:t>Le système </a:t>
-            </a:r>
-            <a:r>
-              <a:rPr lang="fr-FR" dirty="0" err="1"/>
-              <a:t>Oozie</a:t>
-            </a:r>
-            <a:r>
-              <a:rPr lang="fr-FR" dirty="0"/>
-              <a:t> </a:t>
-            </a:r>
-            <a:r>
-              <a:rPr lang="fr-FR" dirty="0" err="1"/>
-              <a:t>Coordinator</a:t>
-            </a:r>
-            <a:r>
-              <a:rPr lang="fr-FR" dirty="0"/>
-              <a:t> permet à l'utilisateur de définir et d'exécuter des workflow automatiquement en fonction du temps</a:t>
-            </a:r>
-          </a:p>
-        </p:txBody>
-      </p:sp>
+        </p:nvPicPr>
+        <p:blipFill rotWithShape="1">
+          <a:blip r:embed="rId2"/>
+          <a:srcRect t="6575" b="5249"/>
+          <a:stretch/>
+        </p:blipFill>
+        <p:spPr>
+          <a:xfrm>
+            <a:off x="1104900" y="1231762"/>
+            <a:ext cx="10612542" cy="5261113"/>
+          </a:xfrm>
+        </p:spPr>
+      </p:pic>
       <p:sp>
         <p:nvSpPr>
           <p:cNvPr id="3" name="Titre 2">
             <a:extLst>
               <a:ext uri="{FF2B5EF4-FFF2-40B4-BE49-F238E27FC236}">
-                <a16:creationId xmlns:a16="http://schemas.microsoft.com/office/drawing/2014/main" id="{2A9F05E3-65FB-4B08-990A-E64610555D03}"/>
+                <a16:creationId xmlns:a16="http://schemas.microsoft.com/office/drawing/2014/main" id="{510384FC-A680-403B-B5DA-272CED97E263}"/>
               </a:ext>
             </a:extLst>
           </p:cNvPr>
@@ -12905,16 +12887,8 @@
           <a:lstStyle/>
           <a:p>
             <a:r>
-              <a:rPr lang="fr-FR" dirty="0" err="1"/>
-              <a:t>Oozie</a:t>
-            </a:r>
-            <a:r>
-              <a:rPr lang="fr-FR" dirty="0"/>
-              <a:t> </a:t>
-            </a:r>
-            <a:r>
-              <a:rPr lang="fr-FR" dirty="0" err="1"/>
-              <a:t>Coordinator</a:t>
+              <a:rPr lang="en-US" dirty="0"/>
+              <a:t>Workflow job Status : Web UI</a:t>
             </a:r>
             <a:endParaRPr lang="fr-FR" dirty="0"/>
           </a:p>
@@ -12925,7 +12899,7 @@
           <p:cNvPr id="4" name="ZoneTexte 3">
             <a:extLst>
               <a:ext uri="{FF2B5EF4-FFF2-40B4-BE49-F238E27FC236}">
-                <a16:creationId xmlns:a16="http://schemas.microsoft.com/office/drawing/2014/main" id="{3AEEB34B-8829-4CA0-BD10-EF9260A8F6FD}"/>
+                <a16:creationId xmlns:a16="http://schemas.microsoft.com/office/drawing/2014/main" id="{EFF80298-7197-40AE-AC14-DFEE635B1650}"/>
               </a:ext>
             </a:extLst>
           </p:cNvPr>
@@ -12987,7 +12961,7 @@
     </p:spTree>
     <p:extLst>
       <p:ext uri="{BB962C8B-B14F-4D97-AF65-F5344CB8AC3E}">
-        <p14:creationId xmlns:p14="http://schemas.microsoft.com/office/powerpoint/2010/main" val="3425633872"/>
+        <p14:creationId xmlns:p14="http://schemas.microsoft.com/office/powerpoint/2010/main" val="412930978"/>
       </p:ext>
     </p:extLst>
   </p:cSld>
@@ -13016,10 +12990,57 @@
       </p:grpSpPr>
       <p:sp>
         <p:nvSpPr>
+          <p:cNvPr id="2" name="Espace réservé du contenu 1">
+            <a:extLst>
+              <a:ext uri="{FF2B5EF4-FFF2-40B4-BE49-F238E27FC236}">
+                <a16:creationId xmlns:a16="http://schemas.microsoft.com/office/drawing/2014/main" id="{AD51FF38-5566-463F-81F0-D48DFC01793C}"/>
+              </a:ext>
+            </a:extLst>
+          </p:cNvPr>
+          <p:cNvSpPr>
+            <a:spLocks noGrp="1"/>
+          </p:cNvSpPr>
+          <p:nvPr>
+            <p:ph idx="1"/>
+          </p:nvPr>
+        </p:nvSpPr>
+        <p:spPr/>
+        <p:txBody>
+          <a:bodyPr anchor="ctr"/>
+          <a:lstStyle/>
+          <a:p>
+            <a:pPr marL="0" indent="0">
+              <a:buNone/>
+            </a:pPr>
+            <a:r>
+              <a:rPr lang="fr-FR" dirty="0"/>
+              <a:t>Le système </a:t>
+            </a:r>
+            <a:r>
+              <a:rPr lang="fr-FR" dirty="0" err="1"/>
+              <a:t>Oozie</a:t>
+            </a:r>
+            <a:r>
+              <a:rPr lang="fr-FR" dirty="0"/>
+              <a:t> </a:t>
+            </a:r>
+            <a:r>
+              <a:rPr lang="fr-FR" dirty="0" err="1"/>
+              <a:t>Coordinator</a:t>
+            </a:r>
+            <a:r>
+              <a:rPr lang="fr-FR" dirty="0"/>
+              <a:t> permet à l'utilisateur de définir et d'exécuter des workflow automatiquement en fonction du temps</a:t>
+            </a:r>
+          </a:p>
+        </p:txBody>
+      </p:sp>
+      <p:sp>
+        <p:nvSpPr>
           <p:cNvPr id="3" name="Titre 2">
             <a:extLst>
               <a:ext uri="{FF2B5EF4-FFF2-40B4-BE49-F238E27FC236}">
-                <a16:creationId xmlns:a16="http://schemas.microsoft.com/office/drawing/2014/main" id="{50062840-BF97-4A73-BF77-11C4A054FF71}"/>
+                <a16:creationId xmlns:a16="http://schemas.microsoft.com/office/drawing/2014/main" id="{2A9F05E3-65FB-4B08-990A-E64610555D03}"/>
               </a:ext>
             </a:extLst>
           </p:cNvPr>
@@ -13036,84 +13057,27 @@
           <a:lstStyle/>
           <a:p>
             <a:r>
+              <a:rPr lang="fr-FR" dirty="0" err="1"/>
+              <a:t>Oozie</a:t>
+            </a:r>
+            <a:r>
               <a:rPr lang="fr-FR" dirty="0"/>
-              <a:t>Coordinator.xml</a:t>
-            </a:r>
-          </a:p>
-        </p:txBody>
-      </p:sp>
-      <p:pic>
-        <p:nvPicPr>
-          <p:cNvPr id="4" name="Image 3">
+              <a:t> </a:t>
+            </a:r>
+            <a:r>
+              <a:rPr lang="fr-FR" dirty="0" err="1"/>
+              <a:t>Coordinator</a:t>
+            </a:r>
+            <a:endParaRPr lang="fr-FR" dirty="0"/>
+          </a:p>
+        </p:txBody>
+      </p:sp>
+      <p:sp>
+        <p:nvSpPr>
+          <p:cNvPr id="4" name="ZoneTexte 3">
             <a:extLst>
               <a:ext uri="{FF2B5EF4-FFF2-40B4-BE49-F238E27FC236}">
-                <a16:creationId xmlns:a16="http://schemas.microsoft.com/office/drawing/2014/main" id="{B86A6FEE-0501-46E0-A8A0-556289CD4040}"/>
-              </a:ext>
-            </a:extLst>
-          </p:cNvPr>
-          <p:cNvPicPr>
-            <a:picLocks noChangeAspect="1"/>
-          </p:cNvPicPr>
-          <p:nvPr/>
-        </p:nvPicPr>
-        <p:blipFill rotWithShape="1">
-          <a:blip r:embed="rId2"/>
-          <a:srcRect l="43804" t="24915" r="12392" b="42992"/>
-          <a:stretch/>
-        </p:blipFill>
-        <p:spPr>
-          <a:xfrm>
-            <a:off x="1579381" y="1469739"/>
-            <a:ext cx="8561126" cy="3526420"/>
-          </a:xfrm>
-          <a:prstGeom prst="rect">
-            <a:avLst/>
-          </a:prstGeom>
-        </p:spPr>
-      </p:pic>
-      <p:sp>
-        <p:nvSpPr>
-          <p:cNvPr id="5" name="Rectangle 4">
-            <a:extLst>
-              <a:ext uri="{FF2B5EF4-FFF2-40B4-BE49-F238E27FC236}">
-                <a16:creationId xmlns:a16="http://schemas.microsoft.com/office/drawing/2014/main" id="{6B8671DD-709D-4FA1-A326-5E16471292B1}"/>
-              </a:ext>
-            </a:extLst>
-          </p:cNvPr>
-          <p:cNvSpPr/>
-          <p:nvPr/>
-        </p:nvSpPr>
-        <p:spPr>
-          <a:xfrm>
-            <a:off x="1104899" y="5298103"/>
-            <a:ext cx="9510091" cy="646331"/>
-          </a:xfrm>
-          <a:prstGeom prst="rect">
-            <a:avLst/>
-          </a:prstGeom>
-        </p:spPr>
-        <p:txBody>
-          <a:bodyPr wrap="square">
-            <a:spAutoFit/>
-          </a:bodyPr>
-          <a:lstStyle/>
-          <a:p>
-            <a:endParaRPr lang="fr-FR" dirty="0"/>
-          </a:p>
-          <a:p>
-            <a:r>
-              <a:rPr lang="fr-FR" dirty="0"/>
-              <a:t>Le travail s'exécute toutes les 3 minutes entre l'heure de début et l'heure de fin</a:t>
-            </a:r>
-          </a:p>
-        </p:txBody>
-      </p:sp>
-      <p:sp>
-        <p:nvSpPr>
-          <p:cNvPr id="6" name="ZoneTexte 5">
-            <a:extLst>
-              <a:ext uri="{FF2B5EF4-FFF2-40B4-BE49-F238E27FC236}">
-                <a16:creationId xmlns:a16="http://schemas.microsoft.com/office/drawing/2014/main" id="{5A615876-3336-470A-B520-6EE87FFD77EC}"/>
+                <a16:creationId xmlns:a16="http://schemas.microsoft.com/office/drawing/2014/main" id="{3AEEB34B-8829-4CA0-BD10-EF9260A8F6FD}"/>
               </a:ext>
             </a:extLst>
           </p:cNvPr>
@@ -13175,7 +13139,7 @@
     </p:spTree>
     <p:extLst>
       <p:ext uri="{BB962C8B-B14F-4D97-AF65-F5344CB8AC3E}">
-        <p14:creationId xmlns:p14="http://schemas.microsoft.com/office/powerpoint/2010/main" val="2793407261"/>
+        <p14:creationId xmlns:p14="http://schemas.microsoft.com/office/powerpoint/2010/main" val="3425633872"/>
       </p:ext>
     </p:extLst>
   </p:cSld>
@@ -13202,40 +13166,12 @@
           <a:chExt cx="0" cy="0"/>
         </a:xfrm>
       </p:grpSpPr>
-      <p:pic>
-        <p:nvPicPr>
-          <p:cNvPr id="6" name="Espace réservé du contenu 5">
-            <a:extLst>
-              <a:ext uri="{FF2B5EF4-FFF2-40B4-BE49-F238E27FC236}">
-                <a16:creationId xmlns:a16="http://schemas.microsoft.com/office/drawing/2014/main" id="{A860CD5C-4B5B-42D3-9502-8EFBC3D3ADBC}"/>
-              </a:ext>
-            </a:extLst>
-          </p:cNvPr>
-          <p:cNvPicPr>
-            <a:picLocks noGrp="1" noChangeAspect="1"/>
-          </p:cNvPicPr>
-          <p:nvPr>
-            <p:ph idx="1"/>
-          </p:nvPr>
-        </p:nvPicPr>
-        <p:blipFill rotWithShape="1">
-          <a:blip r:embed="rId2"/>
-          <a:srcRect t="257"/>
-          <a:stretch/>
-        </p:blipFill>
-        <p:spPr>
-          <a:xfrm>
-            <a:off x="1104900" y="1068404"/>
-            <a:ext cx="9801608" cy="5496522"/>
-          </a:xfrm>
-        </p:spPr>
-      </p:pic>
       <p:sp>
         <p:nvSpPr>
           <p:cNvPr id="3" name="Titre 2">
             <a:extLst>
               <a:ext uri="{FF2B5EF4-FFF2-40B4-BE49-F238E27FC236}">
-                <a16:creationId xmlns:a16="http://schemas.microsoft.com/office/drawing/2014/main" id="{B441A5E4-C205-4E0E-9CA8-C182F36E3CF7}"/>
+                <a16:creationId xmlns:a16="http://schemas.microsoft.com/office/drawing/2014/main" id="{50062840-BF97-4A73-BF77-11C4A054FF71}"/>
               </a:ext>
             </a:extLst>
           </p:cNvPr>
@@ -13252,19 +13188,84 @@
           <a:lstStyle/>
           <a:p>
             <a:r>
-              <a:rPr lang="en-US" dirty="0"/>
-              <a:t>Workflow job Status : Web UI</a:t>
-            </a:r>
-            <a:endParaRPr lang="fr-FR" dirty="0"/>
-          </a:p>
-        </p:txBody>
-      </p:sp>
-      <p:sp>
-        <p:nvSpPr>
-          <p:cNvPr id="4" name="ZoneTexte 3">
+              <a:rPr lang="fr-FR" dirty="0"/>
+              <a:t>Coordinator.xml</a:t>
+            </a:r>
+          </a:p>
+        </p:txBody>
+      </p:sp>
+      <p:pic>
+        <p:nvPicPr>
+          <p:cNvPr id="4" name="Image 3">
             <a:extLst>
               <a:ext uri="{FF2B5EF4-FFF2-40B4-BE49-F238E27FC236}">
-                <a16:creationId xmlns:a16="http://schemas.microsoft.com/office/drawing/2014/main" id="{E1B7B7AF-C078-4AFB-938F-122CADD9E0A3}"/>
+                <a16:creationId xmlns:a16="http://schemas.microsoft.com/office/drawing/2014/main" id="{B86A6FEE-0501-46E0-A8A0-556289CD4040}"/>
+              </a:ext>
+            </a:extLst>
+          </p:cNvPr>
+          <p:cNvPicPr>
+            <a:picLocks noChangeAspect="1"/>
+          </p:cNvPicPr>
+          <p:nvPr/>
+        </p:nvPicPr>
+        <p:blipFill rotWithShape="1">
+          <a:blip r:embed="rId2"/>
+          <a:srcRect l="43804" t="24915" r="12392" b="42992"/>
+          <a:stretch/>
+        </p:blipFill>
+        <p:spPr>
+          <a:xfrm>
+            <a:off x="1579381" y="1469739"/>
+            <a:ext cx="8561126" cy="3526420"/>
+          </a:xfrm>
+          <a:prstGeom prst="rect">
+            <a:avLst/>
+          </a:prstGeom>
+        </p:spPr>
+      </p:pic>
+      <p:sp>
+        <p:nvSpPr>
+          <p:cNvPr id="5" name="Rectangle 4">
+            <a:extLst>
+              <a:ext uri="{FF2B5EF4-FFF2-40B4-BE49-F238E27FC236}">
+                <a16:creationId xmlns:a16="http://schemas.microsoft.com/office/drawing/2014/main" id="{6B8671DD-709D-4FA1-A326-5E16471292B1}"/>
+              </a:ext>
+            </a:extLst>
+          </p:cNvPr>
+          <p:cNvSpPr/>
+          <p:nvPr/>
+        </p:nvSpPr>
+        <p:spPr>
+          <a:xfrm>
+            <a:off x="1104899" y="5298103"/>
+            <a:ext cx="9510091" cy="646331"/>
+          </a:xfrm>
+          <a:prstGeom prst="rect">
+            <a:avLst/>
+          </a:prstGeom>
+        </p:spPr>
+        <p:txBody>
+          <a:bodyPr wrap="square">
+            <a:spAutoFit/>
+          </a:bodyPr>
+          <a:lstStyle/>
+          <a:p>
+            <a:endParaRPr lang="fr-FR" dirty="0"/>
+          </a:p>
+          <a:p>
+            <a:r>
+              <a:rPr lang="fr-FR" dirty="0"/>
+              <a:t>Le travail s'exécute toutes les 3 minutes entre l'heure de début et l'heure de fin</a:t>
+            </a:r>
+          </a:p>
+        </p:txBody>
+      </p:sp>
+      <p:sp>
+        <p:nvSpPr>
+          <p:cNvPr id="6" name="ZoneTexte 5">
+            <a:extLst>
+              <a:ext uri="{FF2B5EF4-FFF2-40B4-BE49-F238E27FC236}">
+                <a16:creationId xmlns:a16="http://schemas.microsoft.com/office/drawing/2014/main" id="{5A615876-3336-470A-B520-6EE87FFD77EC}"/>
               </a:ext>
             </a:extLst>
           </p:cNvPr>
@@ -13326,7 +13327,7 @@
     </p:spTree>
     <p:extLst>
       <p:ext uri="{BB962C8B-B14F-4D97-AF65-F5344CB8AC3E}">
-        <p14:creationId xmlns:p14="http://schemas.microsoft.com/office/powerpoint/2010/main" val="3567846804"/>
+        <p14:creationId xmlns:p14="http://schemas.microsoft.com/office/powerpoint/2010/main" val="2793407261"/>
       </p:ext>
     </p:extLst>
   </p:cSld>
@@ -13355,6 +13356,157 @@
       </p:grpSpPr>
       <p:pic>
         <p:nvPicPr>
+          <p:cNvPr id="6" name="Espace réservé du contenu 5">
+            <a:extLst>
+              <a:ext uri="{FF2B5EF4-FFF2-40B4-BE49-F238E27FC236}">
+                <a16:creationId xmlns:a16="http://schemas.microsoft.com/office/drawing/2014/main" id="{A860CD5C-4B5B-42D3-9502-8EFBC3D3ADBC}"/>
+              </a:ext>
+            </a:extLst>
+          </p:cNvPr>
+          <p:cNvPicPr>
+            <a:picLocks noGrp="1" noChangeAspect="1"/>
+          </p:cNvPicPr>
+          <p:nvPr>
+            <p:ph idx="1"/>
+          </p:nvPr>
+        </p:nvPicPr>
+        <p:blipFill rotWithShape="1">
+          <a:blip r:embed="rId2"/>
+          <a:srcRect t="257"/>
+          <a:stretch/>
+        </p:blipFill>
+        <p:spPr>
+          <a:xfrm>
+            <a:off x="1104900" y="1068404"/>
+            <a:ext cx="9801608" cy="5496522"/>
+          </a:xfrm>
+        </p:spPr>
+      </p:pic>
+      <p:sp>
+        <p:nvSpPr>
+          <p:cNvPr id="3" name="Titre 2">
+            <a:extLst>
+              <a:ext uri="{FF2B5EF4-FFF2-40B4-BE49-F238E27FC236}">
+                <a16:creationId xmlns:a16="http://schemas.microsoft.com/office/drawing/2014/main" id="{B441A5E4-C205-4E0E-9CA8-C182F36E3CF7}"/>
+              </a:ext>
+            </a:extLst>
+          </p:cNvPr>
+          <p:cNvSpPr>
+            <a:spLocks noGrp="1"/>
+          </p:cNvSpPr>
+          <p:nvPr>
+            <p:ph type="title"/>
+          </p:nvPr>
+        </p:nvSpPr>
+        <p:spPr/>
+        <p:txBody>
+          <a:bodyPr/>
+          <a:lstStyle/>
+          <a:p>
+            <a:r>
+              <a:rPr lang="en-US" dirty="0"/>
+              <a:t>Workflow job Status : Web UI</a:t>
+            </a:r>
+            <a:endParaRPr lang="fr-FR" dirty="0"/>
+          </a:p>
+        </p:txBody>
+      </p:sp>
+      <p:sp>
+        <p:nvSpPr>
+          <p:cNvPr id="4" name="ZoneTexte 3">
+            <a:extLst>
+              <a:ext uri="{FF2B5EF4-FFF2-40B4-BE49-F238E27FC236}">
+                <a16:creationId xmlns:a16="http://schemas.microsoft.com/office/drawing/2014/main" id="{E1B7B7AF-C078-4AFB-938F-122CADD9E0A3}"/>
+              </a:ext>
+            </a:extLst>
+          </p:cNvPr>
+          <p:cNvSpPr txBox="1"/>
+          <p:nvPr/>
+        </p:nvSpPr>
+        <p:spPr>
+          <a:xfrm rot="16200000">
+            <a:off x="-304814" y="3228945"/>
+            <a:ext cx="1645923" cy="400110"/>
+          </a:xfrm>
+          <a:prstGeom prst="rect">
+            <a:avLst/>
+          </a:prstGeom>
+          <a:solidFill>
+            <a:schemeClr val="bg1"/>
+          </a:solidFill>
+          <a:ln>
+            <a:noFill/>
+          </a:ln>
+        </p:spPr>
+        <p:style>
+          <a:lnRef idx="2">
+            <a:schemeClr val="dk1"/>
+          </a:lnRef>
+          <a:fillRef idx="1">
+            <a:schemeClr val="lt1"/>
+          </a:fillRef>
+          <a:effectRef idx="0">
+            <a:schemeClr val="dk1"/>
+          </a:effectRef>
+          <a:fontRef idx="minor">
+            <a:schemeClr val="dk1"/>
+          </a:fontRef>
+        </p:style>
+        <p:txBody>
+          <a:bodyPr vert="horz" wrap="square" rtlCol="0" anchor="ctr">
+            <a:spAutoFit/>
+          </a:bodyPr>
+          <a:lstStyle/>
+          <a:p>
+            <a:pPr algn="ctr"/>
+            <a:r>
+              <a:rPr lang="fr-FR" sz="2000" dirty="0" err="1">
+                <a:solidFill>
+                  <a:schemeClr val="accent6"/>
+                </a:solidFill>
+              </a:rPr>
+              <a:t>oozie</a:t>
+            </a:r>
+            <a:endParaRPr lang="fr-FR" sz="2000" dirty="0">
+              <a:solidFill>
+                <a:schemeClr val="accent6"/>
+              </a:solidFill>
+            </a:endParaRPr>
+          </a:p>
+        </p:txBody>
+      </p:sp>
+    </p:spTree>
+    <p:extLst>
+      <p:ext uri="{BB962C8B-B14F-4D97-AF65-F5344CB8AC3E}">
+        <p14:creationId xmlns:p14="http://schemas.microsoft.com/office/powerpoint/2010/main" val="3567846804"/>
+      </p:ext>
+    </p:extLst>
+  </p:cSld>
+  <p:clrMapOvr>
+    <a:masterClrMapping/>
+  </p:clrMapOvr>
+</p:sld>
+</file>
+
+<file path=ppt/slides/slide14.xml><?xml version="1.0" encoding="utf-8"?>
+<p:sld xmlns:a="http://schemas.openxmlformats.org/drawingml/2006/main" xmlns:r="http://schemas.openxmlformats.org/officeDocument/2006/relationships" xmlns:p="http://schemas.openxmlformats.org/presentationml/2006/main">
+  <p:cSld>
+    <p:spTree>
+      <p:nvGrpSpPr>
+        <p:cNvPr id="1" name=""/>
+        <p:cNvGrpSpPr/>
+        <p:nvPr/>
+      </p:nvGrpSpPr>
+      <p:grpSpPr>
+        <a:xfrm>
+          <a:off x="0" y="0"/>
+          <a:ext cx="0" cy="0"/>
+          <a:chOff x="0" y="0"/>
+          <a:chExt cx="0" cy="0"/>
+        </a:xfrm>
+      </p:grpSpPr>
+      <p:pic>
+        <p:nvPicPr>
           <p:cNvPr id="7" name="Espace réservé d’image 6">
             <a:extLst>
               <a:ext uri="{FF2B5EF4-FFF2-40B4-BE49-F238E27FC236}">
@@ -13445,7 +13597,7 @@
                 <a16:creationId xmlns:a16="http://schemas.microsoft.com/office/drawing/2014/main" id="{944C982A-D694-43A6-9330-50F554BC24A2}"/>
               </a:ext>
               <a:ext uri="{C183D7F6-B498-43B3-948B-1728B52AA6E4}">
-                <adec:decorative xmlns:adec="http://schemas.microsoft.com/office/drawing/2017/decorative" val="1"/>
+                <adec:decorative xmlns:adec="http://schemas.microsoft.com/office/drawing/2017/decorative" xmlns="" val="1"/>
               </a:ext>
             </a:extLst>
           </p:cNvPr>
@@ -13628,7 +13780,7 @@
 </p:sld>
 </file>
 
-<file path=ppt/slides/slide14.xml><?xml version="1.0" encoding="utf-8"?>
+<file path=ppt/slides/slide15.xml><?xml version="1.0" encoding="utf-8"?>
 <p:sld xmlns:a="http://schemas.openxmlformats.org/drawingml/2006/main" xmlns:r="http://schemas.openxmlformats.org/officeDocument/2006/relationships" xmlns:p="http://schemas.openxmlformats.org/presentationml/2006/main">
   <p:cSld>
     <p:spTree>
@@ -13856,7 +14008,7 @@
 </p:sld>
 </file>
 
-<file path=ppt/slides/slide15.xml><?xml version="1.0" encoding="utf-8"?>
+<file path=ppt/slides/slide16.xml><?xml version="1.0" encoding="utf-8"?>
 <p:sld xmlns:a="http://schemas.openxmlformats.org/drawingml/2006/main" xmlns:r="http://schemas.openxmlformats.org/officeDocument/2006/relationships" xmlns:p="http://schemas.openxmlformats.org/presentationml/2006/main">
   <p:cSld>
     <p:spTree>
@@ -14073,291 +14225,6 @@
     <p:extLst>
       <p:ext uri="{BB962C8B-B14F-4D97-AF65-F5344CB8AC3E}">
         <p14:creationId xmlns:p14="http://schemas.microsoft.com/office/powerpoint/2010/main" val="1833662044"/>
-      </p:ext>
-    </p:extLst>
-  </p:cSld>
-  <p:clrMapOvr>
-    <a:masterClrMapping/>
-  </p:clrMapOvr>
-</p:sld>
-</file>
-
-<file path=ppt/slides/slide16.xml><?xml version="1.0" encoding="utf-8"?>
-<p:sld xmlns:a="http://schemas.openxmlformats.org/drawingml/2006/main" xmlns:r="http://schemas.openxmlformats.org/officeDocument/2006/relationships" xmlns:p="http://schemas.openxmlformats.org/presentationml/2006/main">
-  <p:cSld>
-    <p:spTree>
-      <p:nvGrpSpPr>
-        <p:cNvPr id="1" name=""/>
-        <p:cNvGrpSpPr/>
-        <p:nvPr/>
-      </p:nvGrpSpPr>
-      <p:grpSpPr>
-        <a:xfrm>
-          <a:off x="0" y="0"/>
-          <a:ext cx="0" cy="0"/>
-          <a:chOff x="0" y="0"/>
-          <a:chExt cx="0" cy="0"/>
-        </a:xfrm>
-      </p:grpSpPr>
-      <p:pic>
-        <p:nvPicPr>
-          <p:cNvPr id="8" name="Espace réservé pour une image  7">
-            <a:extLst>
-              <a:ext uri="{FF2B5EF4-FFF2-40B4-BE49-F238E27FC236}">
-                <a16:creationId xmlns:a16="http://schemas.microsoft.com/office/drawing/2014/main" id="{5414FF31-0159-470C-91FE-134965305531}"/>
-              </a:ext>
-            </a:extLst>
-          </p:cNvPr>
-          <p:cNvPicPr>
-            <a:picLocks noGrp="1" noChangeAspect="1"/>
-          </p:cNvPicPr>
-          <p:nvPr>
-            <p:ph type="pic" sz="quarter" idx="56"/>
-          </p:nvPr>
-        </p:nvPicPr>
-        <p:blipFill>
-          <a:blip r:embed="rId2"/>
-          <a:srcRect l="22176" r="22176"/>
-          <a:stretch>
-            <a:fillRect/>
-          </a:stretch>
-        </p:blipFill>
-        <p:spPr/>
-      </p:pic>
-      <p:sp>
-        <p:nvSpPr>
-          <p:cNvPr id="3" name="Espace réservé pour une image  2">
-            <a:extLst>
-              <a:ext uri="{FF2B5EF4-FFF2-40B4-BE49-F238E27FC236}">
-                <a16:creationId xmlns:a16="http://schemas.microsoft.com/office/drawing/2014/main" id="{E3484756-22FA-4F5F-88C2-F3FBF82A5173}"/>
-              </a:ext>
-            </a:extLst>
-          </p:cNvPr>
-          <p:cNvSpPr>
-            <a:spLocks noGrp="1"/>
-          </p:cNvSpPr>
-          <p:nvPr>
-            <p:ph type="pic" sz="quarter" idx="87"/>
-          </p:nvPr>
-        </p:nvSpPr>
-        <p:spPr/>
-      </p:sp>
-      <p:sp>
-        <p:nvSpPr>
-          <p:cNvPr id="4" name="Espace réservé du texte 3">
-            <a:extLst>
-              <a:ext uri="{FF2B5EF4-FFF2-40B4-BE49-F238E27FC236}">
-                <a16:creationId xmlns:a16="http://schemas.microsoft.com/office/drawing/2014/main" id="{0CD2A60D-4005-40E1-95D1-72A4EEE842CD}"/>
-              </a:ext>
-            </a:extLst>
-          </p:cNvPr>
-          <p:cNvSpPr>
-            <a:spLocks noGrp="1"/>
-          </p:cNvSpPr>
-          <p:nvPr>
-            <p:ph type="body" sz="quarter" idx="39"/>
-          </p:nvPr>
-        </p:nvSpPr>
-        <p:spPr/>
-        <p:txBody>
-          <a:bodyPr/>
-          <a:lstStyle/>
-          <a:p>
-            <a:pPr>
-              <a:spcBef>
-                <a:spcPts val="600"/>
-              </a:spcBef>
-              <a:spcAft>
-                <a:spcPts val="600"/>
-              </a:spcAft>
-            </a:pPr>
-            <a:r>
-              <a:rPr lang="fr-FR" sz="2000" dirty="0"/>
-              <a:t>Filtrage collaboratif basé sur l'utilisateur</a:t>
-            </a:r>
-          </a:p>
-          <a:p>
-            <a:pPr>
-              <a:spcBef>
-                <a:spcPts val="600"/>
-              </a:spcBef>
-              <a:spcAft>
-                <a:spcPts val="600"/>
-              </a:spcAft>
-            </a:pPr>
-            <a:r>
-              <a:rPr lang="fr-FR" sz="2000" dirty="0"/>
-              <a:t>Filtrage collaboratif basé sur les éléments</a:t>
-            </a:r>
-          </a:p>
-          <a:p>
-            <a:pPr>
-              <a:spcBef>
-                <a:spcPts val="600"/>
-              </a:spcBef>
-              <a:spcAft>
-                <a:spcPts val="600"/>
-              </a:spcAft>
-            </a:pPr>
-            <a:r>
-              <a:rPr lang="fr-FR" sz="2000" dirty="0" err="1"/>
-              <a:t>SlopeOne</a:t>
-            </a:r>
-            <a:r>
-              <a:rPr lang="fr-FR" sz="2000" dirty="0"/>
-              <a:t> </a:t>
-            </a:r>
-            <a:r>
-              <a:rPr lang="fr-FR" sz="2000" dirty="0" err="1"/>
-              <a:t>Recommandateurs</a:t>
-            </a:r>
-            <a:endParaRPr lang="fr-FR" sz="2000" dirty="0"/>
-          </a:p>
-          <a:p>
-            <a:pPr>
-              <a:spcBef>
-                <a:spcPts val="600"/>
-              </a:spcBef>
-              <a:spcAft>
-                <a:spcPts val="600"/>
-              </a:spcAft>
-            </a:pPr>
-            <a:r>
-              <a:rPr lang="fr-FR" sz="2000" dirty="0"/>
-              <a:t>CF basé sur la décomposition en valeur singulière</a:t>
-            </a:r>
-          </a:p>
-        </p:txBody>
-      </p:sp>
-      <p:sp>
-        <p:nvSpPr>
-          <p:cNvPr id="5" name="Titre 4">
-            <a:extLst>
-              <a:ext uri="{FF2B5EF4-FFF2-40B4-BE49-F238E27FC236}">
-                <a16:creationId xmlns:a16="http://schemas.microsoft.com/office/drawing/2014/main" id="{86947BF6-1E47-418A-89FC-57D03D855E8D}"/>
-              </a:ext>
-            </a:extLst>
-          </p:cNvPr>
-          <p:cNvSpPr>
-            <a:spLocks noGrp="1"/>
-          </p:cNvSpPr>
-          <p:nvPr>
-            <p:ph type="title"/>
-          </p:nvPr>
-        </p:nvSpPr>
-        <p:spPr/>
-        <p:txBody>
-          <a:bodyPr/>
-          <a:lstStyle/>
-          <a:p>
-            <a:r>
-              <a:rPr lang="fr-FR" dirty="0"/>
-              <a:t>Recommandation</a:t>
-            </a:r>
-          </a:p>
-        </p:txBody>
-      </p:sp>
-      <p:sp>
-        <p:nvSpPr>
-          <p:cNvPr id="6" name="Rectangle 5">
-            <a:extLst>
-              <a:ext uri="{FF2B5EF4-FFF2-40B4-BE49-F238E27FC236}">
-                <a16:creationId xmlns:a16="http://schemas.microsoft.com/office/drawing/2014/main" id="{92EFE2D1-DB5F-4904-9017-D322C5A90178}"/>
-              </a:ext>
-            </a:extLst>
-          </p:cNvPr>
-          <p:cNvSpPr/>
-          <p:nvPr/>
-        </p:nvSpPr>
-        <p:spPr>
-          <a:xfrm>
-            <a:off x="6332685" y="685801"/>
-            <a:ext cx="3260035" cy="523220"/>
-          </a:xfrm>
-          <a:prstGeom prst="rect">
-            <a:avLst/>
-          </a:prstGeom>
-        </p:spPr>
-        <p:txBody>
-          <a:bodyPr wrap="square">
-            <a:spAutoFit/>
-          </a:bodyPr>
-          <a:lstStyle/>
-          <a:p>
-            <a:r>
-              <a:rPr lang="fr-FR" sz="2800" b="1" dirty="0">
-                <a:solidFill>
-                  <a:srgbClr val="CD7610"/>
-                </a:solidFill>
-              </a:rPr>
-              <a:t>DES ALGORITHMES</a:t>
-            </a:r>
-          </a:p>
-        </p:txBody>
-      </p:sp>
-      <p:sp>
-        <p:nvSpPr>
-          <p:cNvPr id="10" name="ZoneTexte 9">
-            <a:extLst>
-              <a:ext uri="{FF2B5EF4-FFF2-40B4-BE49-F238E27FC236}">
-                <a16:creationId xmlns:a16="http://schemas.microsoft.com/office/drawing/2014/main" id="{E7A0B8F1-EA58-4280-BA8F-A3EFDF54C58A}"/>
-              </a:ext>
-            </a:extLst>
-          </p:cNvPr>
-          <p:cNvSpPr txBox="1"/>
-          <p:nvPr/>
-        </p:nvSpPr>
-        <p:spPr>
-          <a:xfrm rot="16200000">
-            <a:off x="-304814" y="3228945"/>
-            <a:ext cx="1645923" cy="400110"/>
-          </a:xfrm>
-          <a:prstGeom prst="rect">
-            <a:avLst/>
-          </a:prstGeom>
-          <a:solidFill>
-            <a:schemeClr val="bg1"/>
-          </a:solidFill>
-          <a:ln>
-            <a:noFill/>
-          </a:ln>
-        </p:spPr>
-        <p:style>
-          <a:lnRef idx="2">
-            <a:schemeClr val="dk1"/>
-          </a:lnRef>
-          <a:fillRef idx="1">
-            <a:schemeClr val="lt1"/>
-          </a:fillRef>
-          <a:effectRef idx="0">
-            <a:schemeClr val="dk1"/>
-          </a:effectRef>
-          <a:fontRef idx="minor">
-            <a:schemeClr val="dk1"/>
-          </a:fontRef>
-        </p:style>
-        <p:txBody>
-          <a:bodyPr vert="horz" wrap="square" rtlCol="0" anchor="ctr">
-            <a:spAutoFit/>
-          </a:bodyPr>
-          <a:lstStyle/>
-          <a:p>
-            <a:pPr algn="ctr"/>
-            <a:r>
-              <a:rPr lang="fr-FR" sz="2000" dirty="0">
-                <a:solidFill>
-                  <a:schemeClr val="accent6"/>
-                </a:solidFill>
-              </a:rPr>
-              <a:t>mahout</a:t>
-            </a:r>
-          </a:p>
-        </p:txBody>
-      </p:sp>
-    </p:spTree>
-    <p:extLst>
-      <p:ext uri="{BB962C8B-B14F-4D97-AF65-F5344CB8AC3E}">
-        <p14:creationId xmlns:p14="http://schemas.microsoft.com/office/powerpoint/2010/main" val="4189852867"/>
       </p:ext>
     </p:extLst>
   </p:cSld>
@@ -14458,7 +14325,7 @@
             </a:pPr>
             <a:r>
               <a:rPr lang="fr-FR" sz="2000" dirty="0"/>
-              <a:t>Canopy</a:t>
+              <a:t>Filtrage collaboratif basé sur l'utilisateur</a:t>
             </a:r>
           </a:p>
           <a:p>
@@ -14472,13 +14339,8 @@
             </a:pPr>
             <a:r>
               <a:rPr lang="fr-FR" sz="2000" dirty="0"/>
-              <a:t>K-</a:t>
-            </a:r>
-            <a:r>
-              <a:rPr lang="fr-FR" sz="2000" dirty="0" err="1"/>
-              <a:t>Means</a:t>
-            </a:r>
-            <a:endParaRPr lang="fr-FR" sz="2000" dirty="0"/>
+              <a:t>Filtrage collaboratif basé sur les éléments</a:t>
+            </a:r>
           </a:p>
           <a:p>
             <a:pPr>
@@ -14490,9 +14352,18 @@
               </a:spcAft>
             </a:pPr>
             <a:r>
+              <a:rPr lang="fr-FR" sz="2000" dirty="0" err="1"/>
+              <a:t>SlopeOne</a:t>
+            </a:r>
+            <a:r>
               <a:rPr lang="fr-FR" sz="2000" dirty="0"/>
-              <a:t>Latent Dirichlet Allocation (LDA)</a:t>
-            </a:r>
+              <a:t> </a:t>
+            </a:r>
+            <a:r>
+              <a:rPr lang="fr-FR" sz="2000" dirty="0" err="1"/>
+              <a:t>Recommandateurs</a:t>
+            </a:r>
+            <a:endParaRPr lang="fr-FR" sz="2000" dirty="0"/>
           </a:p>
           <a:p>
             <a:pPr>
@@ -14504,12 +14375,8 @@
               </a:spcAft>
             </a:pPr>
             <a:r>
-              <a:rPr lang="fr-FR" sz="2000" dirty="0" err="1"/>
-              <a:t>MinHash</a:t>
-            </a:r>
-            <a:r>
               <a:rPr lang="fr-FR" sz="2000" dirty="0"/>
-              <a:t> Clustering</a:t>
+              <a:t>CF basé sur la décomposition en valeur singulière</a:t>
             </a:r>
           </a:p>
         </p:txBody>
@@ -14537,7 +14404,7 @@
           <a:p>
             <a:r>
               <a:rPr lang="fr-FR" dirty="0"/>
-              <a:t>Clustering</a:t>
+              <a:t>Recommandation</a:t>
             </a:r>
           </a:p>
         </p:txBody>
@@ -14582,10 +14449,10 @@
       </p:sp>
       <p:sp>
         <p:nvSpPr>
-          <p:cNvPr id="9" name="ZoneTexte 8">
+          <p:cNvPr id="10" name="ZoneTexte 9">
             <a:extLst>
               <a:ext uri="{FF2B5EF4-FFF2-40B4-BE49-F238E27FC236}">
-                <a16:creationId xmlns:a16="http://schemas.microsoft.com/office/drawing/2014/main" id="{CD5CB749-7DB2-4BDA-AC40-84722708AFCA}"/>
+                <a16:creationId xmlns:a16="http://schemas.microsoft.com/office/drawing/2014/main" id="{E7A0B8F1-EA58-4280-BA8F-A3EFDF54C58A}"/>
               </a:ext>
             </a:extLst>
           </p:cNvPr>
@@ -14642,7 +14509,7 @@
     </p:spTree>
     <p:extLst>
       <p:ext uri="{BB962C8B-B14F-4D97-AF65-F5344CB8AC3E}">
-        <p14:creationId xmlns:p14="http://schemas.microsoft.com/office/powerpoint/2010/main" val="2371087282"/>
+        <p14:creationId xmlns:p14="http://schemas.microsoft.com/office/powerpoint/2010/main" val="4189852867"/>
       </p:ext>
     </p:extLst>
   </p:cSld>
@@ -14741,7 +14608,10 @@
                 <a:spcPts val="600"/>
               </a:spcAft>
             </a:pPr>
-            <a:endParaRPr lang="fr-FR" sz="2000" dirty="0"/>
+            <a:r>
+              <a:rPr lang="fr-FR" sz="2000" dirty="0"/>
+              <a:t>Canopy</a:t>
+            </a:r>
           </a:p>
           <a:p>
             <a:pPr>
@@ -14754,8 +14624,13 @@
             </a:pPr>
             <a:r>
               <a:rPr lang="fr-FR" sz="2000" dirty="0"/>
-              <a:t>Régression logistique</a:t>
-            </a:r>
+              <a:t>K-</a:t>
+            </a:r>
+            <a:r>
+              <a:rPr lang="fr-FR" sz="2000" dirty="0" err="1"/>
+              <a:t>Means</a:t>
+            </a:r>
+            <a:endParaRPr lang="fr-FR" sz="2000" dirty="0"/>
           </a:p>
           <a:p>
             <a:pPr>
@@ -14768,7 +14643,25 @@
             </a:pPr>
             <a:r>
               <a:rPr lang="fr-FR" sz="2000" dirty="0"/>
-              <a:t>Forêts aléatoires</a:t>
+              <a:t>Latent Dirichlet Allocation (LDA)</a:t>
+            </a:r>
+          </a:p>
+          <a:p>
+            <a:pPr>
+              <a:spcBef>
+                <a:spcPts val="600"/>
+              </a:spcBef>
+              <a:spcAft>
+                <a:spcPts val="600"/>
+              </a:spcAft>
+            </a:pPr>
+            <a:r>
+              <a:rPr lang="fr-FR" sz="2000" dirty="0" err="1"/>
+              <a:t>MinHash</a:t>
+            </a:r>
+            <a:r>
+              <a:rPr lang="fr-FR" sz="2000" dirty="0"/>
+              <a:t> Clustering</a:t>
             </a:r>
           </a:p>
         </p:txBody>
@@ -14796,7 +14689,7 @@
           <a:p>
             <a:r>
               <a:rPr lang="fr-FR" dirty="0"/>
-              <a:t>Classification</a:t>
+              <a:t>Clustering</a:t>
             </a:r>
           </a:p>
         </p:txBody>
@@ -14841,91 +14734,10 @@
       </p:sp>
       <p:sp>
         <p:nvSpPr>
-          <p:cNvPr id="2" name="Rectangle 1">
+          <p:cNvPr id="9" name="ZoneTexte 8">
             <a:extLst>
               <a:ext uri="{FF2B5EF4-FFF2-40B4-BE49-F238E27FC236}">
-                <a16:creationId xmlns:a16="http://schemas.microsoft.com/office/drawing/2014/main" id="{D9E8BFBB-F730-4D6E-87EB-977B9C5F04D1}"/>
-              </a:ext>
-            </a:extLst>
-          </p:cNvPr>
-          <p:cNvSpPr/>
-          <p:nvPr/>
-        </p:nvSpPr>
-        <p:spPr>
-          <a:xfrm>
-            <a:off x="7275298" y="3925549"/>
-            <a:ext cx="2667718" cy="369332"/>
-          </a:xfrm>
-          <a:prstGeom prst="rect">
-            <a:avLst/>
-          </a:prstGeom>
-        </p:spPr>
-        <p:txBody>
-          <a:bodyPr wrap="none">
-            <a:spAutoFit/>
-          </a:bodyPr>
-          <a:lstStyle/>
-          <a:p>
-            <a:r>
-              <a:rPr lang="fr-FR" i="1" dirty="0">
-                <a:solidFill>
-                  <a:schemeClr val="bg1">
-                    <a:lumMod val="50000"/>
-                  </a:schemeClr>
-                </a:solidFill>
-                <a:latin typeface="Verdana" panose="020B0604030504040204" pitchFamily="34" charset="0"/>
-              </a:rPr>
-              <a:t> </a:t>
-            </a:r>
-            <a:r>
-              <a:rPr lang="fr-FR" dirty="0">
-                <a:solidFill>
-                  <a:schemeClr val="bg1">
-                    <a:lumMod val="50000"/>
-                  </a:schemeClr>
-                </a:solidFill>
-                <a:latin typeface="Verdana" panose="020B0604030504040204" pitchFamily="34" charset="0"/>
-              </a:rPr>
-              <a:t>[ </a:t>
-            </a:r>
-            <a:r>
-              <a:rPr lang="fr-FR" i="1" dirty="0">
-                <a:solidFill>
-                  <a:schemeClr val="bg1">
-                    <a:lumMod val="50000"/>
-                  </a:schemeClr>
-                </a:solidFill>
-                <a:latin typeface="Verdana" panose="020B0604030504040204" pitchFamily="34" charset="0"/>
-              </a:rPr>
-              <a:t>les arbres utilisés </a:t>
-            </a:r>
-            <a:r>
-              <a:rPr lang="fr-FR" dirty="0">
-                <a:solidFill>
-                  <a:schemeClr val="bg1">
-                    <a:lumMod val="50000"/>
-                  </a:schemeClr>
-                </a:solidFill>
-                <a:latin typeface="Verdana" panose="020B0604030504040204" pitchFamily="34" charset="0"/>
-              </a:rPr>
-              <a:t>]</a:t>
-            </a:r>
-            <a:endParaRPr lang="fr-FR" dirty="0">
-              <a:solidFill>
-                <a:schemeClr val="bg1">
-                  <a:lumMod val="50000"/>
-                </a:schemeClr>
-              </a:solidFill>
-            </a:endParaRPr>
-          </a:p>
-        </p:txBody>
-      </p:sp>
-      <p:sp>
-        <p:nvSpPr>
-          <p:cNvPr id="10" name="ZoneTexte 9">
-            <a:extLst>
-              <a:ext uri="{FF2B5EF4-FFF2-40B4-BE49-F238E27FC236}">
-                <a16:creationId xmlns:a16="http://schemas.microsoft.com/office/drawing/2014/main" id="{9AEF0264-3C71-4C76-96F9-0259ABE66F33}"/>
+                <a16:creationId xmlns:a16="http://schemas.microsoft.com/office/drawing/2014/main" id="{CD5CB749-7DB2-4BDA-AC40-84722708AFCA}"/>
               </a:ext>
             </a:extLst>
           </p:cNvPr>
@@ -14982,7 +14794,7 @@
     </p:spTree>
     <p:extLst>
       <p:ext uri="{BB962C8B-B14F-4D97-AF65-F5344CB8AC3E}">
-        <p14:creationId xmlns:p14="http://schemas.microsoft.com/office/powerpoint/2010/main" val="3033500199"/>
+        <p14:creationId xmlns:p14="http://schemas.microsoft.com/office/powerpoint/2010/main" val="2371087282"/>
       </p:ext>
     </p:extLst>
   </p:cSld>
@@ -15011,10 +14823,10 @@
       </p:grpSpPr>
       <p:pic>
         <p:nvPicPr>
-          <p:cNvPr id="4" name="Espace réservé pour une image  3">
+          <p:cNvPr id="8" name="Espace réservé pour une image  7">
             <a:extLst>
               <a:ext uri="{FF2B5EF4-FFF2-40B4-BE49-F238E27FC236}">
-                <a16:creationId xmlns:a16="http://schemas.microsoft.com/office/drawing/2014/main" id="{34AFEEAF-FE28-475E-9875-376DA166BA0C}"/>
+                <a16:creationId xmlns:a16="http://schemas.microsoft.com/office/drawing/2014/main" id="{5414FF31-0159-470C-91FE-134965305531}"/>
               </a:ext>
             </a:extLst>
           </p:cNvPr>
@@ -15022,30 +14834,169 @@
             <a:picLocks noGrp="1" noChangeAspect="1"/>
           </p:cNvPicPr>
           <p:nvPr>
-            <p:ph type="pic" sz="quarter" idx="10"/>
+            <p:ph type="pic" sz="quarter" idx="56"/>
           </p:nvPr>
         </p:nvPicPr>
-        <p:blipFill rotWithShape="1">
+        <p:blipFill>
           <a:blip r:embed="rId2"/>
-          <a:srcRect l="8267" t="7544" r="6939" b="5267"/>
-          <a:stretch/>
+          <a:srcRect l="22176" r="22176"/>
+          <a:stretch>
+            <a:fillRect/>
+          </a:stretch>
         </p:blipFill>
+        <p:spPr/>
+      </p:pic>
+      <p:sp>
+        <p:nvSpPr>
+          <p:cNvPr id="3" name="Espace réservé pour une image  2">
+            <a:extLst>
+              <a:ext uri="{FF2B5EF4-FFF2-40B4-BE49-F238E27FC236}">
+                <a16:creationId xmlns:a16="http://schemas.microsoft.com/office/drawing/2014/main" id="{E3484756-22FA-4F5F-88C2-F3FBF82A5173}"/>
+              </a:ext>
+            </a:extLst>
+          </p:cNvPr>
+          <p:cNvSpPr>
+            <a:spLocks noGrp="1"/>
+          </p:cNvSpPr>
+          <p:nvPr>
+            <p:ph type="pic" sz="quarter" idx="87"/>
+          </p:nvPr>
+        </p:nvSpPr>
+        <p:spPr/>
+      </p:sp>
+      <p:sp>
+        <p:nvSpPr>
+          <p:cNvPr id="4" name="Espace réservé du texte 3">
+            <a:extLst>
+              <a:ext uri="{FF2B5EF4-FFF2-40B4-BE49-F238E27FC236}">
+                <a16:creationId xmlns:a16="http://schemas.microsoft.com/office/drawing/2014/main" id="{0CD2A60D-4005-40E1-95D1-72A4EEE842CD}"/>
+              </a:ext>
+            </a:extLst>
+          </p:cNvPr>
+          <p:cNvSpPr>
+            <a:spLocks noGrp="1"/>
+          </p:cNvSpPr>
+          <p:nvPr>
+            <p:ph type="body" sz="quarter" idx="39"/>
+          </p:nvPr>
+        </p:nvSpPr>
+        <p:spPr/>
+        <p:txBody>
+          <a:bodyPr/>
+          <a:lstStyle/>
+          <a:p>
+            <a:pPr>
+              <a:spcBef>
+                <a:spcPts val="600"/>
+              </a:spcBef>
+              <a:spcAft>
+                <a:spcPts val="600"/>
+              </a:spcAft>
+            </a:pPr>
+            <a:endParaRPr lang="fr-FR" sz="2000" dirty="0"/>
+          </a:p>
+          <a:p>
+            <a:pPr>
+              <a:spcBef>
+                <a:spcPts val="600"/>
+              </a:spcBef>
+              <a:spcAft>
+                <a:spcPts val="600"/>
+              </a:spcAft>
+            </a:pPr>
+            <a:r>
+              <a:rPr lang="fr-FR" sz="2000" dirty="0"/>
+              <a:t>Régression logistique</a:t>
+            </a:r>
+          </a:p>
+          <a:p>
+            <a:pPr>
+              <a:spcBef>
+                <a:spcPts val="600"/>
+              </a:spcBef>
+              <a:spcAft>
+                <a:spcPts val="600"/>
+              </a:spcAft>
+            </a:pPr>
+            <a:r>
+              <a:rPr lang="fr-FR" sz="2000" dirty="0"/>
+              <a:t>Forêts aléatoires</a:t>
+            </a:r>
+          </a:p>
+        </p:txBody>
+      </p:sp>
+      <p:sp>
+        <p:nvSpPr>
+          <p:cNvPr id="5" name="Titre 4">
+            <a:extLst>
+              <a:ext uri="{FF2B5EF4-FFF2-40B4-BE49-F238E27FC236}">
+                <a16:creationId xmlns:a16="http://schemas.microsoft.com/office/drawing/2014/main" id="{86947BF6-1E47-418A-89FC-57D03D855E8D}"/>
+              </a:ext>
+            </a:extLst>
+          </p:cNvPr>
+          <p:cNvSpPr>
+            <a:spLocks noGrp="1"/>
+          </p:cNvSpPr>
+          <p:nvPr>
+            <p:ph type="title"/>
+          </p:nvPr>
+        </p:nvSpPr>
+        <p:spPr/>
+        <p:txBody>
+          <a:bodyPr/>
+          <a:lstStyle/>
+          <a:p>
+            <a:r>
+              <a:rPr lang="fr-FR" dirty="0"/>
+              <a:t>Classification</a:t>
+            </a:r>
+          </a:p>
+        </p:txBody>
+      </p:sp>
+      <p:sp>
+        <p:nvSpPr>
+          <p:cNvPr id="6" name="Rectangle 5">
+            <a:extLst>
+              <a:ext uri="{FF2B5EF4-FFF2-40B4-BE49-F238E27FC236}">
+                <a16:creationId xmlns:a16="http://schemas.microsoft.com/office/drawing/2014/main" id="{92EFE2D1-DB5F-4904-9017-D322C5A90178}"/>
+              </a:ext>
+            </a:extLst>
+          </p:cNvPr>
+          <p:cNvSpPr/>
+          <p:nvPr/>
+        </p:nvSpPr>
         <p:spPr>
           <a:xfrm>
-            <a:off x="2761723" y="1458353"/>
-            <a:ext cx="7195374" cy="3941294"/>
+            <a:off x="6332685" y="685801"/>
+            <a:ext cx="3260035" cy="523220"/>
           </a:xfrm>
           <a:prstGeom prst="rect">
             <a:avLst/>
           </a:prstGeom>
         </p:spPr>
-      </p:pic>
-      <p:sp>
-        <p:nvSpPr>
-          <p:cNvPr id="5" name="Rectangle 4">
+        <p:txBody>
+          <a:bodyPr wrap="square">
+            <a:spAutoFit/>
+          </a:bodyPr>
+          <a:lstStyle/>
+          <a:p>
+            <a:r>
+              <a:rPr lang="fr-FR" sz="2800" b="1" dirty="0">
+                <a:solidFill>
+                  <a:srgbClr val="CD7610"/>
+                </a:solidFill>
+              </a:rPr>
+              <a:t>DES ALGORITHMES</a:t>
+            </a:r>
+          </a:p>
+        </p:txBody>
+      </p:sp>
+      <p:sp>
+        <p:nvSpPr>
+          <p:cNvPr id="2" name="Rectangle 1">
             <a:extLst>
               <a:ext uri="{FF2B5EF4-FFF2-40B4-BE49-F238E27FC236}">
-                <a16:creationId xmlns:a16="http://schemas.microsoft.com/office/drawing/2014/main" id="{2E01BCE5-B015-4E67-AB47-E3FA14F2330E}"/>
+                <a16:creationId xmlns:a16="http://schemas.microsoft.com/office/drawing/2014/main" id="{D9E8BFBB-F730-4D6E-87EB-977B9C5F04D1}"/>
               </a:ext>
             </a:extLst>
           </p:cNvPr>
@@ -15054,8 +15005,8 @@
         </p:nvSpPr>
         <p:spPr>
           <a:xfrm>
-            <a:off x="4658239" y="421621"/>
-            <a:ext cx="3402342" cy="523220"/>
+            <a:off x="7275298" y="3925549"/>
+            <a:ext cx="2667718" cy="369332"/>
           </a:xfrm>
           <a:prstGeom prst="rect">
             <a:avLst/>
@@ -15068,64 +15019,65 @@
           <a:lstStyle/>
           <a:p>
             <a:r>
-              <a:rPr lang="fr-FR" sz="2800" b="1" dirty="0">
+              <a:rPr lang="fr-FR" i="1" dirty="0">
                 <a:solidFill>
-                  <a:srgbClr val="E48312"/>
+                  <a:schemeClr val="bg1">
+                    <a:lumMod val="50000"/>
+                  </a:schemeClr>
                 </a:solidFill>
+                <a:latin typeface="Verdana" panose="020B0604030504040204" pitchFamily="34" charset="0"/>
               </a:rPr>
-              <a:t>Architecture générale</a:t>
-            </a:r>
-          </a:p>
-        </p:txBody>
-      </p:sp>
-      <p:sp>
-        <p:nvSpPr>
-          <p:cNvPr id="6" name="Rectangle 5">
+              <a:t> </a:t>
+            </a:r>
+            <a:r>
+              <a:rPr lang="fr-FR" dirty="0">
+                <a:solidFill>
+                  <a:schemeClr val="bg1">
+                    <a:lumMod val="50000"/>
+                  </a:schemeClr>
+                </a:solidFill>
+                <a:latin typeface="Verdana" panose="020B0604030504040204" pitchFamily="34" charset="0"/>
+              </a:rPr>
+              <a:t>[ </a:t>
+            </a:r>
+            <a:r>
+              <a:rPr lang="fr-FR" i="1" dirty="0">
+                <a:solidFill>
+                  <a:schemeClr val="bg1">
+                    <a:lumMod val="50000"/>
+                  </a:schemeClr>
+                </a:solidFill>
+                <a:latin typeface="Verdana" panose="020B0604030504040204" pitchFamily="34" charset="0"/>
+              </a:rPr>
+              <a:t>les arbres utilisés </a:t>
+            </a:r>
+            <a:r>
+              <a:rPr lang="fr-FR" dirty="0">
+                <a:solidFill>
+                  <a:schemeClr val="bg1">
+                    <a:lumMod val="50000"/>
+                  </a:schemeClr>
+                </a:solidFill>
+                <a:latin typeface="Verdana" panose="020B0604030504040204" pitchFamily="34" charset="0"/>
+              </a:rPr>
+              <a:t>]</a:t>
+            </a:r>
+            <a:endParaRPr lang="fr-FR" dirty="0">
+              <a:solidFill>
+                <a:schemeClr val="bg1">
+                  <a:lumMod val="50000"/>
+                </a:schemeClr>
+              </a:solidFill>
+            </a:endParaRPr>
+          </a:p>
+        </p:txBody>
+      </p:sp>
+      <p:sp>
+        <p:nvSpPr>
+          <p:cNvPr id="10" name="ZoneTexte 9">
             <a:extLst>
               <a:ext uri="{FF2B5EF4-FFF2-40B4-BE49-F238E27FC236}">
-                <a16:creationId xmlns:a16="http://schemas.microsoft.com/office/drawing/2014/main" id="{3EA5D33E-1F8A-43D4-B822-8FCEDD2D5479}"/>
-              </a:ext>
-            </a:extLst>
-          </p:cNvPr>
-          <p:cNvSpPr/>
-          <p:nvPr/>
-        </p:nvSpPr>
-        <p:spPr>
-          <a:xfrm>
-            <a:off x="3311410" y="5790048"/>
-            <a:ext cx="6096000" cy="677108"/>
-          </a:xfrm>
-          <a:prstGeom prst="rect">
-            <a:avLst/>
-          </a:prstGeom>
-        </p:spPr>
-        <p:txBody>
-          <a:bodyPr>
-            <a:spAutoFit/>
-          </a:bodyPr>
-          <a:lstStyle/>
-          <a:p>
-            <a:pPr algn="ctr"/>
-            <a:r>
-              <a:rPr lang="fr-FR" sz="2000" b="1" dirty="0"/>
-              <a:t>Architecture à trois niveaux</a:t>
-            </a:r>
-          </a:p>
-          <a:p>
-            <a:pPr algn="ctr"/>
-            <a:r>
-              <a:rPr lang="fr-FR" dirty="0"/>
-              <a:t>(Application, algorithmes et bibliothèques partagées)</a:t>
-            </a:r>
-          </a:p>
-        </p:txBody>
-      </p:sp>
-      <p:sp>
-        <p:nvSpPr>
-          <p:cNvPr id="8" name="ZoneTexte 7">
-            <a:extLst>
-              <a:ext uri="{FF2B5EF4-FFF2-40B4-BE49-F238E27FC236}">
-                <a16:creationId xmlns:a16="http://schemas.microsoft.com/office/drawing/2014/main" id="{5044DBD5-58E3-4EAB-BAAB-568A0DC67461}"/>
+                <a16:creationId xmlns:a16="http://schemas.microsoft.com/office/drawing/2014/main" id="{9AEF0264-3C71-4C76-96F9-0259ABE66F33}"/>
               </a:ext>
             </a:extLst>
           </p:cNvPr>
@@ -15182,7 +15134,7 @@
     </p:spTree>
     <p:extLst>
       <p:ext uri="{BB962C8B-B14F-4D97-AF65-F5344CB8AC3E}">
-        <p14:creationId xmlns:p14="http://schemas.microsoft.com/office/powerpoint/2010/main" val="2639662546"/>
+        <p14:creationId xmlns:p14="http://schemas.microsoft.com/office/powerpoint/2010/main" val="3033500199"/>
       </p:ext>
     </p:extLst>
   </p:cSld>
@@ -15209,12 +15161,268 @@
           <a:chExt cx="0" cy="0"/>
         </a:xfrm>
       </p:grpSpPr>
+      <p:sp>
+        <p:nvSpPr>
+          <p:cNvPr id="2" name="Espace réservé du contenu 1"/>
+          <p:cNvSpPr>
+            <a:spLocks noGrp="1"/>
+          </p:cNvSpPr>
+          <p:nvPr>
+            <p:ph idx="1"/>
+          </p:nvPr>
+        </p:nvSpPr>
+        <p:spPr>
+          <a:xfrm>
+            <a:off x="1104900" y="1914254"/>
+            <a:ext cx="10248899" cy="3402330"/>
+          </a:xfrm>
+        </p:spPr>
+        <p:txBody>
+          <a:bodyPr>
+            <a:normAutofit/>
+          </a:bodyPr>
+          <a:lstStyle/>
+          <a:p>
+            <a:pPr marL="571500" indent="-571500">
+              <a:buFont typeface="+mj-lt"/>
+              <a:buAutoNum type="romanUcPeriod"/>
+            </a:pPr>
+            <a:r>
+              <a:rPr lang="en-US" dirty="0" err="1" smtClean="0"/>
+              <a:t>Appache</a:t>
+            </a:r>
+            <a:r>
+              <a:rPr lang="en-US" dirty="0" smtClean="0"/>
+              <a:t> </a:t>
+            </a:r>
+            <a:r>
+              <a:rPr lang="en-US" dirty="0" err="1" smtClean="0"/>
+              <a:t>Oozie</a:t>
+            </a:r>
+            <a:r>
+              <a:rPr lang="en-US" dirty="0" smtClean="0"/>
+              <a:t>:</a:t>
+            </a:r>
+            <a:endParaRPr lang="en-US" dirty="0"/>
+          </a:p>
+          <a:p>
+            <a:pPr marL="971550" lvl="1" indent="-514350">
+              <a:buFont typeface="+mj-lt"/>
+              <a:buAutoNum type="arabicPeriod"/>
+            </a:pPr>
+            <a:r>
+              <a:rPr lang="en-US" dirty="0" err="1" smtClean="0"/>
+              <a:t>Définition</a:t>
+            </a:r>
+            <a:r>
+              <a:rPr lang="en-US" dirty="0"/>
+              <a:t>	</a:t>
+            </a:r>
+          </a:p>
+          <a:p>
+            <a:pPr marL="971550" lvl="1" indent="-514350">
+              <a:buFont typeface="+mj-lt"/>
+              <a:buAutoNum type="arabicPeriod"/>
+            </a:pPr>
+            <a:r>
+              <a:rPr lang="en-US" dirty="0" err="1" smtClean="0"/>
+              <a:t>Cas</a:t>
+            </a:r>
+            <a:r>
+              <a:rPr lang="en-US" dirty="0" smtClean="0"/>
+              <a:t> </a:t>
+            </a:r>
+            <a:r>
+              <a:rPr lang="en-US" dirty="0" err="1"/>
+              <a:t>d'utilisation</a:t>
+            </a:r>
+            <a:r>
+              <a:rPr lang="en-US" dirty="0"/>
+              <a:t> </a:t>
+            </a:r>
+            <a:r>
+              <a:rPr lang="en-US" dirty="0" err="1"/>
+              <a:t>d'Apache</a:t>
+            </a:r>
+            <a:r>
+              <a:rPr lang="en-US" dirty="0"/>
+              <a:t> </a:t>
+            </a:r>
+            <a:r>
+              <a:rPr lang="en-US" dirty="0" err="1" smtClean="0"/>
+              <a:t>Oozie</a:t>
+            </a:r>
+            <a:endParaRPr lang="en-US" dirty="0"/>
+          </a:p>
+          <a:p>
+            <a:pPr marL="971550" lvl="1" indent="-514350">
+              <a:buFont typeface="+mj-lt"/>
+              <a:buAutoNum type="arabicPeriod"/>
+            </a:pPr>
+            <a:r>
+              <a:rPr lang="en-US" dirty="0" err="1" smtClean="0"/>
+              <a:t>Editeurs</a:t>
+            </a:r>
+            <a:r>
+              <a:rPr lang="en-US" dirty="0" smtClean="0"/>
+              <a:t> </a:t>
+            </a:r>
+            <a:r>
+              <a:rPr lang="en-US" dirty="0" err="1"/>
+              <a:t>d'Oozie</a:t>
+            </a:r>
+            <a:r>
+              <a:rPr lang="en-US" dirty="0"/>
+              <a:t>	</a:t>
+            </a:r>
+          </a:p>
+          <a:p>
+            <a:pPr marL="971550" lvl="1" indent="-514350">
+              <a:buFont typeface="+mj-lt"/>
+              <a:buAutoNum type="arabicPeriod"/>
+            </a:pPr>
+            <a:r>
+              <a:rPr lang="en-US" dirty="0" err="1" smtClean="0"/>
+              <a:t>Oozie</a:t>
+            </a:r>
+            <a:r>
+              <a:rPr lang="en-US" dirty="0" smtClean="0"/>
+              <a:t> </a:t>
+            </a:r>
+            <a:r>
+              <a:rPr lang="en-US" dirty="0"/>
+              <a:t>workflow	</a:t>
+            </a:r>
+          </a:p>
+          <a:p>
+            <a:pPr marL="971550" lvl="1" indent="-514350">
+              <a:buFont typeface="+mj-lt"/>
+              <a:buAutoNum type="arabicPeriod"/>
+            </a:pPr>
+            <a:r>
+              <a:rPr lang="en-US" dirty="0" err="1" smtClean="0"/>
+              <a:t>Cordinators</a:t>
+            </a:r>
+            <a:r>
+              <a:rPr lang="en-US" dirty="0"/>
+              <a:t>	</a:t>
+            </a:r>
+          </a:p>
+          <a:p>
+            <a:pPr marL="971550" lvl="1" indent="-514350">
+              <a:buFont typeface="+mj-lt"/>
+              <a:buAutoNum type="arabicPeriod"/>
+            </a:pPr>
+            <a:r>
+              <a:rPr lang="en-US" dirty="0" smtClean="0"/>
+              <a:t>Bundle</a:t>
+            </a:r>
+            <a:endParaRPr lang="en-US" dirty="0"/>
+          </a:p>
+          <a:p>
+            <a:pPr marL="971550" lvl="1" indent="-514350">
+              <a:buFont typeface="+mj-lt"/>
+              <a:buAutoNum type="arabicPeriod"/>
+            </a:pPr>
+            <a:r>
+              <a:rPr lang="en-US" dirty="0" err="1" smtClean="0"/>
+              <a:t>Outils</a:t>
+            </a:r>
+            <a:r>
+              <a:rPr lang="en-US" dirty="0" smtClean="0"/>
+              <a:t> </a:t>
+            </a:r>
+            <a:r>
+              <a:rPr lang="en-US" dirty="0"/>
+              <a:t>de </a:t>
+            </a:r>
+            <a:r>
+              <a:rPr lang="en-US" dirty="0" err="1"/>
+              <a:t>ligne</a:t>
+            </a:r>
+            <a:r>
+              <a:rPr lang="en-US" dirty="0"/>
+              <a:t> de </a:t>
+            </a:r>
+            <a:r>
+              <a:rPr lang="en-US" dirty="0" err="1" smtClean="0"/>
+              <a:t>commande</a:t>
+            </a:r>
+            <a:endParaRPr lang="en-US" dirty="0"/>
+          </a:p>
+          <a:p>
+            <a:pPr marL="0" indent="0">
+              <a:buNone/>
+            </a:pPr>
+            <a:endParaRPr lang="en-US" dirty="0"/>
+          </a:p>
+        </p:txBody>
+      </p:sp>
+      <p:sp>
+        <p:nvSpPr>
+          <p:cNvPr id="3" name="Titre 2"/>
+          <p:cNvSpPr>
+            <a:spLocks noGrp="1"/>
+          </p:cNvSpPr>
+          <p:nvPr>
+            <p:ph type="title"/>
+          </p:nvPr>
+        </p:nvSpPr>
+        <p:spPr>
+          <a:xfrm>
+            <a:off x="1104900" y="1210975"/>
+            <a:ext cx="10248899" cy="703279"/>
+          </a:xfrm>
+        </p:spPr>
+        <p:txBody>
+          <a:bodyPr/>
+          <a:lstStyle/>
+          <a:p>
+            <a:pPr algn="ctr"/>
+            <a:r>
+              <a:rPr lang="en-US" dirty="0" smtClean="0"/>
+              <a:t>Plan</a:t>
+            </a:r>
+            <a:endParaRPr lang="en-US" dirty="0"/>
+          </a:p>
+        </p:txBody>
+      </p:sp>
+    </p:spTree>
+    <p:extLst>
+      <p:ext uri="{BB962C8B-B14F-4D97-AF65-F5344CB8AC3E}">
+        <p14:creationId xmlns:p14="http://schemas.microsoft.com/office/powerpoint/2010/main" val="104898636"/>
+      </p:ext>
+    </p:extLst>
+  </p:cSld>
+  <p:clrMapOvr>
+    <a:masterClrMapping/>
+  </p:clrMapOvr>
+</p:sld>
+</file>
+
+<file path=ppt/slides/slide20.xml><?xml version="1.0" encoding="utf-8"?>
+<p:sld xmlns:a="http://schemas.openxmlformats.org/drawingml/2006/main" xmlns:r="http://schemas.openxmlformats.org/officeDocument/2006/relationships" xmlns:p="http://schemas.openxmlformats.org/presentationml/2006/main">
+  <p:cSld>
+    <p:spTree>
+      <p:nvGrpSpPr>
+        <p:cNvPr id="1" name=""/>
+        <p:cNvGrpSpPr/>
+        <p:nvPr/>
+      </p:nvGrpSpPr>
+      <p:grpSpPr>
+        <a:xfrm>
+          <a:off x="0" y="0"/>
+          <a:ext cx="0" cy="0"/>
+          <a:chOff x="0" y="0"/>
+          <a:chExt cx="0" cy="0"/>
+        </a:xfrm>
+      </p:grpSpPr>
       <p:pic>
         <p:nvPicPr>
-          <p:cNvPr id="6" name="Espace réservé d’image 5" descr="Verser le design du lait dans du café" title="Verser le design du lait dans du café">
+          <p:cNvPr id="4" name="Espace réservé pour une image  3">
             <a:extLst>
               <a:ext uri="{FF2B5EF4-FFF2-40B4-BE49-F238E27FC236}">
-                <a16:creationId xmlns:a16="http://schemas.microsoft.com/office/drawing/2014/main" id="{875ED820-017D-47E9-8107-163E4133A528}"/>
+                <a16:creationId xmlns:a16="http://schemas.microsoft.com/office/drawing/2014/main" id="{34AFEEAF-FE28-475E-9875-376DA166BA0C}"/>
               </a:ext>
             </a:extLst>
           </p:cNvPr>
@@ -15222,91 +15430,110 @@
             <a:picLocks noGrp="1" noChangeAspect="1"/>
           </p:cNvPicPr>
           <p:nvPr>
-            <p:ph type="pic" sz="quarter" idx="71"/>
+            <p:ph type="pic" sz="quarter" idx="10"/>
           </p:nvPr>
         </p:nvPicPr>
-        <p:blipFill>
-          <a:blip r:embed="rId3">
-            <a:extLst>
-              <a:ext uri="{28A0092B-C50C-407E-A947-70E740481C1C}">
-                <a14:useLocalDpi xmlns:a14="http://schemas.microsoft.com/office/drawing/2010/main" val="0"/>
-              </a:ext>
-            </a:extLst>
-          </a:blip>
-          <a:srcRect/>
-          <a:stretch>
-            <a:fillRect/>
-          </a:stretch>
+        <p:blipFill rotWithShape="1">
+          <a:blip r:embed="rId2"/>
+          <a:srcRect l="8267" t="7544" r="6939" b="5267"/>
+          <a:stretch/>
         </p:blipFill>
-        <p:spPr/>
+        <p:spPr>
+          <a:xfrm>
+            <a:off x="2761723" y="1458353"/>
+            <a:ext cx="7195374" cy="3941294"/>
+          </a:xfrm>
+          <a:prstGeom prst="rect">
+            <a:avLst/>
+          </a:prstGeom>
+        </p:spPr>
       </p:pic>
       <p:sp>
         <p:nvSpPr>
-          <p:cNvPr id="5" name="Titre 4">
+          <p:cNvPr id="5" name="Rectangle 4">
             <a:extLst>
               <a:ext uri="{FF2B5EF4-FFF2-40B4-BE49-F238E27FC236}">
-                <a16:creationId xmlns:a16="http://schemas.microsoft.com/office/drawing/2014/main" id="{78CC151D-3E87-49F8-947C-F3CD2D5C3781}"/>
+                <a16:creationId xmlns:a16="http://schemas.microsoft.com/office/drawing/2014/main" id="{2E01BCE5-B015-4E67-AB47-E3FA14F2330E}"/>
               </a:ext>
             </a:extLst>
           </p:cNvPr>
-          <p:cNvSpPr>
-            <a:spLocks noGrp="1"/>
-          </p:cNvSpPr>
-          <p:nvPr>
-            <p:ph type="title"/>
-          </p:nvPr>
+          <p:cNvSpPr/>
+          <p:nvPr/>
         </p:nvSpPr>
         <p:spPr>
           <a:xfrm>
-            <a:off x="6893682" y="590610"/>
-            <a:ext cx="4562856" cy="741135"/>
+            <a:off x="4658239" y="421621"/>
+            <a:ext cx="3402342" cy="523220"/>
           </a:xfrm>
+          <a:prstGeom prst="rect">
+            <a:avLst/>
+          </a:prstGeom>
         </p:spPr>
         <p:txBody>
-          <a:bodyPr rtlCol="0" anchor="ctr"/>
+          <a:bodyPr wrap="none">
+            <a:spAutoFit/>
+          </a:bodyPr>
           <a:lstStyle/>
           <a:p>
             <a:r>
-              <a:rPr lang="fr-FR" sz="3200" dirty="0"/>
-              <a:t> QU'EST-CE QUE OOZIE?</a:t>
-            </a:r>
-          </a:p>
-        </p:txBody>
-      </p:sp>
-      <p:sp>
-        <p:nvSpPr>
-          <p:cNvPr id="4" name="Espace réservé du texte 3"/>
-          <p:cNvSpPr>
-            <a:spLocks noGrp="1"/>
-          </p:cNvSpPr>
-          <p:nvPr>
-            <p:ph type="body" idx="13"/>
-          </p:nvPr>
+              <a:rPr lang="fr-FR" sz="2800" b="1" dirty="0">
+                <a:solidFill>
+                  <a:srgbClr val="E48312"/>
+                </a:solidFill>
+              </a:rPr>
+              <a:t>Architecture générale</a:t>
+            </a:r>
+          </a:p>
+        </p:txBody>
+      </p:sp>
+      <p:sp>
+        <p:nvSpPr>
+          <p:cNvPr id="6" name="Rectangle 5">
+            <a:extLst>
+              <a:ext uri="{FF2B5EF4-FFF2-40B4-BE49-F238E27FC236}">
+                <a16:creationId xmlns:a16="http://schemas.microsoft.com/office/drawing/2014/main" id="{3EA5D33E-1F8A-43D4-B822-8FCEDD2D5479}"/>
+              </a:ext>
+            </a:extLst>
+          </p:cNvPr>
+          <p:cNvSpPr/>
+          <p:nvPr/>
         </p:nvSpPr>
         <p:spPr>
           <a:xfrm>
-            <a:off x="4615016" y="246376"/>
-            <a:ext cx="4560094" cy="465997"/>
+            <a:off x="3311410" y="5790048"/>
+            <a:ext cx="6096000" cy="677108"/>
           </a:xfrm>
+          <a:prstGeom prst="rect">
+            <a:avLst/>
+          </a:prstGeom>
         </p:spPr>
         <p:txBody>
-          <a:bodyPr rtlCol="0"/>
+          <a:bodyPr>
+            <a:spAutoFit/>
+          </a:bodyPr>
           <a:lstStyle/>
           <a:p>
-            <a:pPr rtl="0"/>
+            <a:pPr algn="ctr"/>
+            <a:r>
+              <a:rPr lang="fr-FR" sz="2000" b="1" dirty="0"/>
+              <a:t>Architecture à trois niveaux</a:t>
+            </a:r>
+          </a:p>
+          <a:p>
+            <a:pPr algn="ctr"/>
             <a:r>
               <a:rPr lang="fr-FR" dirty="0"/>
-              <a:t>PLAN</a:t>
-            </a:r>
-          </a:p>
-        </p:txBody>
-      </p:sp>
-      <p:sp>
-        <p:nvSpPr>
-          <p:cNvPr id="7" name="ZoneTexte 6">
+              <a:t>(Application, algorithmes et bibliothèques partagées)</a:t>
+            </a:r>
+          </a:p>
+        </p:txBody>
+      </p:sp>
+      <p:sp>
+        <p:nvSpPr>
+          <p:cNvPr id="8" name="ZoneTexte 7">
             <a:extLst>
               <a:ext uri="{FF2B5EF4-FFF2-40B4-BE49-F238E27FC236}">
-                <a16:creationId xmlns:a16="http://schemas.microsoft.com/office/drawing/2014/main" id="{68F2162E-B2DD-4D55-8574-1948DDEFC2FB}"/>
+                <a16:creationId xmlns:a16="http://schemas.microsoft.com/office/drawing/2014/main" id="{5044DBD5-58E3-4EAB-BAAB-568A0DC67461}"/>
               </a:ext>
             </a:extLst>
           </p:cNvPr>
@@ -15350,304 +15577,12 @@
           <a:p>
             <a:pPr algn="ctr"/>
             <a:r>
-              <a:rPr lang="fr-FR" sz="2000" dirty="0" err="1">
+              <a:rPr lang="fr-FR" sz="2000" dirty="0">
                 <a:solidFill>
                   <a:schemeClr val="accent6"/>
                 </a:solidFill>
               </a:rPr>
-              <a:t>oozie</a:t>
-            </a:r>
-            <a:endParaRPr lang="fr-FR" sz="2000" dirty="0">
-              <a:solidFill>
-                <a:schemeClr val="accent6"/>
-              </a:solidFill>
-            </a:endParaRPr>
-          </a:p>
-        </p:txBody>
-      </p:sp>
-      <p:sp>
-        <p:nvSpPr>
-          <p:cNvPr id="8" name="Titre 4">
-            <a:extLst>
-              <a:ext uri="{FF2B5EF4-FFF2-40B4-BE49-F238E27FC236}">
-                <a16:creationId xmlns:a16="http://schemas.microsoft.com/office/drawing/2014/main" id="{10B5E282-F9E3-4977-BB58-01203C133C4B}"/>
-              </a:ext>
-            </a:extLst>
-          </p:cNvPr>
-          <p:cNvSpPr txBox="1">
-            <a:spLocks/>
-          </p:cNvSpPr>
-          <p:nvPr/>
-        </p:nvSpPr>
-        <p:spPr>
-          <a:xfrm>
-            <a:off x="6893682" y="1554216"/>
-            <a:ext cx="4562856" cy="741135"/>
-          </a:xfrm>
-          <a:prstGeom prst="rect">
-            <a:avLst/>
-          </a:prstGeom>
-        </p:spPr>
-        <p:txBody>
-          <a:bodyPr vert="horz" lIns="91440" tIns="0" rIns="91440" bIns="0" rtlCol="0" anchor="ctr" anchorCtr="0">
-            <a:noAutofit/>
-          </a:bodyPr>
-          <a:lstStyle>
-            <a:lvl1pPr algn="l" defTabSz="914400" rtl="0" eaLnBrk="1" latinLnBrk="0" hangingPunct="1">
-              <a:lnSpc>
-                <a:spcPct val="90000"/>
-              </a:lnSpc>
-              <a:spcBef>
-                <a:spcPct val="0"/>
-              </a:spcBef>
-              <a:buNone/>
-              <a:defRPr lang="en-US" sz="3600" b="0" kern="1200" baseline="0">
-                <a:solidFill>
-                  <a:schemeClr val="tx1">
-                    <a:lumMod val="85000"/>
-                    <a:lumOff val="15000"/>
-                  </a:schemeClr>
-                </a:solidFill>
-                <a:latin typeface="+mj-lt"/>
-                <a:ea typeface="+mn-ea"/>
-                <a:cs typeface="+mn-cs"/>
-              </a:defRPr>
-            </a:lvl1pPr>
-          </a:lstStyle>
-          <a:p>
-            <a:r>
-              <a:rPr lang="fr-FR" dirty="0" err="1"/>
-              <a:t>WorkFlow</a:t>
-            </a:r>
-            <a:endParaRPr lang="fr-FR" dirty="0"/>
-          </a:p>
-        </p:txBody>
-      </p:sp>
-      <p:sp>
-        <p:nvSpPr>
-          <p:cNvPr id="9" name="Titre 4">
-            <a:extLst>
-              <a:ext uri="{FF2B5EF4-FFF2-40B4-BE49-F238E27FC236}">
-                <a16:creationId xmlns:a16="http://schemas.microsoft.com/office/drawing/2014/main" id="{4B975E2C-25F1-4752-8114-63B713749CC4}"/>
-              </a:ext>
-            </a:extLst>
-          </p:cNvPr>
-          <p:cNvSpPr txBox="1">
-            <a:spLocks/>
-          </p:cNvSpPr>
-          <p:nvPr/>
-        </p:nvSpPr>
-        <p:spPr>
-          <a:xfrm>
-            <a:off x="6893682" y="2517822"/>
-            <a:ext cx="4562856" cy="741135"/>
-          </a:xfrm>
-          <a:prstGeom prst="rect">
-            <a:avLst/>
-          </a:prstGeom>
-        </p:spPr>
-        <p:txBody>
-          <a:bodyPr vert="horz" lIns="91440" tIns="0" rIns="91440" bIns="0" rtlCol="0" anchor="ctr" anchorCtr="0">
-            <a:noAutofit/>
-          </a:bodyPr>
-          <a:lstStyle>
-            <a:lvl1pPr algn="l" defTabSz="914400" rtl="0" eaLnBrk="1" latinLnBrk="0" hangingPunct="1">
-              <a:lnSpc>
-                <a:spcPct val="90000"/>
-              </a:lnSpc>
-              <a:spcBef>
-                <a:spcPct val="0"/>
-              </a:spcBef>
-              <a:buNone/>
-              <a:defRPr lang="en-US" sz="3600" b="0" kern="1200" baseline="0">
-                <a:solidFill>
-                  <a:schemeClr val="tx1">
-                    <a:lumMod val="85000"/>
-                    <a:lumOff val="15000"/>
-                  </a:schemeClr>
-                </a:solidFill>
-                <a:latin typeface="+mj-lt"/>
-                <a:ea typeface="+mn-ea"/>
-                <a:cs typeface="+mn-cs"/>
-              </a:defRPr>
-            </a:lvl1pPr>
-          </a:lstStyle>
-          <a:p>
-            <a:r>
-              <a:rPr lang="fr-FR" dirty="0" err="1"/>
-              <a:t>Coordinator</a:t>
-            </a:r>
-            <a:endParaRPr lang="fr-FR" dirty="0"/>
-          </a:p>
-        </p:txBody>
-      </p:sp>
-      <p:sp>
-        <p:nvSpPr>
-          <p:cNvPr id="10" name="Titre 4">
-            <a:extLst>
-              <a:ext uri="{FF2B5EF4-FFF2-40B4-BE49-F238E27FC236}">
-                <a16:creationId xmlns:a16="http://schemas.microsoft.com/office/drawing/2014/main" id="{B9DE8B79-E7A9-4F8B-AAAF-4F71F797493F}"/>
-              </a:ext>
-            </a:extLst>
-          </p:cNvPr>
-          <p:cNvSpPr txBox="1">
-            <a:spLocks/>
-          </p:cNvSpPr>
-          <p:nvPr/>
-        </p:nvSpPr>
-        <p:spPr>
-          <a:xfrm>
-            <a:off x="6893682" y="3481428"/>
-            <a:ext cx="4562856" cy="741135"/>
-          </a:xfrm>
-          <a:prstGeom prst="rect">
-            <a:avLst/>
-          </a:prstGeom>
-        </p:spPr>
-        <p:txBody>
-          <a:bodyPr vert="horz" lIns="91440" tIns="0" rIns="91440" bIns="0" rtlCol="0" anchor="ctr" anchorCtr="0">
-            <a:noAutofit/>
-          </a:bodyPr>
-          <a:lstStyle>
-            <a:lvl1pPr algn="l" defTabSz="914400" rtl="0" eaLnBrk="1" latinLnBrk="0" hangingPunct="1">
-              <a:lnSpc>
-                <a:spcPct val="90000"/>
-              </a:lnSpc>
-              <a:spcBef>
-                <a:spcPct val="0"/>
-              </a:spcBef>
-              <a:buNone/>
-              <a:defRPr lang="en-US" sz="3600" b="0" kern="1200" baseline="0">
-                <a:solidFill>
-                  <a:schemeClr val="tx1">
-                    <a:lumMod val="85000"/>
-                    <a:lumOff val="15000"/>
-                  </a:schemeClr>
-                </a:solidFill>
-                <a:latin typeface="+mj-lt"/>
-                <a:ea typeface="+mn-ea"/>
-                <a:cs typeface="+mn-cs"/>
-              </a:defRPr>
-            </a:lvl1pPr>
-          </a:lstStyle>
-          <a:p>
-            <a:r>
-              <a:rPr lang="fr-FR" dirty="0"/>
-              <a:t>Apache Mahout</a:t>
-            </a:r>
-          </a:p>
-        </p:txBody>
-      </p:sp>
-      <p:sp>
-        <p:nvSpPr>
-          <p:cNvPr id="11" name="Titre 4">
-            <a:extLst>
-              <a:ext uri="{FF2B5EF4-FFF2-40B4-BE49-F238E27FC236}">
-                <a16:creationId xmlns:a16="http://schemas.microsoft.com/office/drawing/2014/main" id="{6BA1A440-4AA9-473F-9DEB-737E43511108}"/>
-              </a:ext>
-            </a:extLst>
-          </p:cNvPr>
-          <p:cNvSpPr txBox="1">
-            <a:spLocks/>
-          </p:cNvSpPr>
-          <p:nvPr/>
-        </p:nvSpPr>
-        <p:spPr>
-          <a:xfrm>
-            <a:off x="6893682" y="4445034"/>
-            <a:ext cx="4562856" cy="741135"/>
-          </a:xfrm>
-          <a:prstGeom prst="rect">
-            <a:avLst/>
-          </a:prstGeom>
-        </p:spPr>
-        <p:txBody>
-          <a:bodyPr vert="horz" lIns="91440" tIns="0" rIns="91440" bIns="0" rtlCol="0" anchor="ctr" anchorCtr="0">
-            <a:noAutofit/>
-          </a:bodyPr>
-          <a:lstStyle>
-            <a:lvl1pPr algn="l" defTabSz="914400" rtl="0" eaLnBrk="1" latinLnBrk="0" hangingPunct="1">
-              <a:lnSpc>
-                <a:spcPct val="90000"/>
-              </a:lnSpc>
-              <a:spcBef>
-                <a:spcPct val="0"/>
-              </a:spcBef>
-              <a:buNone/>
-              <a:defRPr lang="en-US" sz="3600" b="0" kern="1200" baseline="0">
-                <a:solidFill>
-                  <a:schemeClr val="tx1">
-                    <a:lumMod val="85000"/>
-                    <a:lumOff val="15000"/>
-                  </a:schemeClr>
-                </a:solidFill>
-                <a:latin typeface="+mj-lt"/>
-                <a:ea typeface="+mn-ea"/>
-                <a:cs typeface="+mn-cs"/>
-              </a:defRPr>
-            </a:lvl1pPr>
-          </a:lstStyle>
-          <a:p>
-            <a:r>
-              <a:rPr lang="fr-FR" dirty="0"/>
-              <a:t>Des algorithmes</a:t>
-            </a:r>
-          </a:p>
-        </p:txBody>
-      </p:sp>
-      <p:sp>
-        <p:nvSpPr>
-          <p:cNvPr id="12" name="Titre 4">
-            <a:extLst>
-              <a:ext uri="{FF2B5EF4-FFF2-40B4-BE49-F238E27FC236}">
-                <a16:creationId xmlns:a16="http://schemas.microsoft.com/office/drawing/2014/main" id="{5D4F85BE-4967-4F53-BABB-4474BC5EC6B5}"/>
-              </a:ext>
-            </a:extLst>
-          </p:cNvPr>
-          <p:cNvSpPr txBox="1">
-            <a:spLocks/>
-          </p:cNvSpPr>
-          <p:nvPr/>
-        </p:nvSpPr>
-        <p:spPr>
-          <a:xfrm>
-            <a:off x="6893682" y="5408638"/>
-            <a:ext cx="4562856" cy="741135"/>
-          </a:xfrm>
-          <a:prstGeom prst="rect">
-            <a:avLst/>
-          </a:prstGeom>
-        </p:spPr>
-        <p:txBody>
-          <a:bodyPr vert="horz" lIns="91440" tIns="0" rIns="91440" bIns="0" rtlCol="0" anchor="ctr" anchorCtr="0">
-            <a:noAutofit/>
-          </a:bodyPr>
-          <a:lstStyle>
-            <a:lvl1pPr algn="l" defTabSz="914400" rtl="0" eaLnBrk="1" latinLnBrk="0" hangingPunct="1">
-              <a:lnSpc>
-                <a:spcPct val="90000"/>
-              </a:lnSpc>
-              <a:spcBef>
-                <a:spcPct val="0"/>
-              </a:spcBef>
-              <a:buNone/>
-              <a:defRPr lang="en-US" sz="3600" b="0" kern="1200" baseline="0">
-                <a:solidFill>
-                  <a:schemeClr val="tx1">
-                    <a:lumMod val="85000"/>
-                    <a:lumOff val="15000"/>
-                  </a:schemeClr>
-                </a:solidFill>
-                <a:latin typeface="+mj-lt"/>
-                <a:ea typeface="+mn-ea"/>
-                <a:cs typeface="+mn-cs"/>
-              </a:defRPr>
-            </a:lvl1pPr>
-          </a:lstStyle>
-          <a:p>
-            <a:r>
-              <a:rPr lang="fr-FR" dirty="0"/>
-              <a:t>Recommandation en Mahout (Pratique)</a:t>
+              <a:t>mahout</a:t>
             </a:r>
           </a:p>
         </p:txBody>
@@ -15655,7 +15590,7 @@
     </p:spTree>
     <p:extLst>
       <p:ext uri="{BB962C8B-B14F-4D97-AF65-F5344CB8AC3E}">
-        <p14:creationId xmlns:p14="http://schemas.microsoft.com/office/powerpoint/2010/main" val="3994065767"/>
+        <p14:creationId xmlns:p14="http://schemas.microsoft.com/office/powerpoint/2010/main" val="2639662546"/>
       </p:ext>
     </p:extLst>
   </p:cSld>
@@ -15665,7 +15600,7 @@
 </p:sld>
 </file>
 
-<file path=ppt/slides/slide20.xml><?xml version="1.0" encoding="utf-8"?>
+<file path=ppt/slides/slide21.xml><?xml version="1.0" encoding="utf-8"?>
 <p:sld xmlns:a="http://schemas.openxmlformats.org/drawingml/2006/main" xmlns:r="http://schemas.openxmlformats.org/officeDocument/2006/relationships" xmlns:p="http://schemas.openxmlformats.org/presentationml/2006/main">
   <p:cSld>
     <p:spTree>
@@ -15913,7 +15848,7 @@
 </p:sld>
 </file>
 
-<file path=ppt/slides/slide21.xml><?xml version="1.0" encoding="utf-8"?>
+<file path=ppt/slides/slide22.xml><?xml version="1.0" encoding="utf-8"?>
 <p:sld xmlns:a="http://schemas.openxmlformats.org/drawingml/2006/main" xmlns:r="http://schemas.openxmlformats.org/officeDocument/2006/relationships" xmlns:p="http://schemas.openxmlformats.org/presentationml/2006/main">
   <p:cSld>
     <p:spTree>
@@ -16161,7 +16096,7 @@
 </p:sld>
 </file>
 
-<file path=ppt/slides/slide22.xml><?xml version="1.0" encoding="utf-8"?>
+<file path=ppt/slides/slide23.xml><?xml version="1.0" encoding="utf-8"?>
 <p:sld xmlns:a="http://schemas.openxmlformats.org/drawingml/2006/main" xmlns:r="http://schemas.openxmlformats.org/officeDocument/2006/relationships" xmlns:p="http://schemas.openxmlformats.org/presentationml/2006/main">
   <p:cSld>
     <p:spTree>
@@ -16409,7 +16344,7 @@
 </p:sld>
 </file>
 
-<file path=ppt/slides/slide23.xml><?xml version="1.0" encoding="utf-8"?>
+<file path=ppt/slides/slide24.xml><?xml version="1.0" encoding="utf-8"?>
 <p:sld xmlns:a="http://schemas.openxmlformats.org/drawingml/2006/main" xmlns:r="http://schemas.openxmlformats.org/officeDocument/2006/relationships" xmlns:p="http://schemas.openxmlformats.org/presentationml/2006/main">
   <p:cSld>
     <p:spTree>
@@ -16494,7 +16429,7 @@
                 <a16:creationId xmlns:a16="http://schemas.microsoft.com/office/drawing/2014/main" id="{944C982A-D694-43A6-9330-50F554BC24A2}"/>
               </a:ext>
               <a:ext uri="{C183D7F6-B498-43B3-948B-1728B52AA6E4}">
-                <adec:decorative xmlns:adec="http://schemas.microsoft.com/office/drawing/2017/decorative" val="1"/>
+                <adec:decorative xmlns:adec="http://schemas.microsoft.com/office/drawing/2017/decorative" xmlns="" val="1"/>
               </a:ext>
             </a:extLst>
           </p:cNvPr>
@@ -16677,7 +16612,7 @@
 </p:sld>
 </file>
 
-<file path=ppt/slides/slide24.xml><?xml version="1.0" encoding="utf-8"?>
+<file path=ppt/slides/slide25.xml><?xml version="1.0" encoding="utf-8"?>
 <p:sld xmlns:a="http://schemas.openxmlformats.org/drawingml/2006/main" xmlns:r="http://schemas.openxmlformats.org/officeDocument/2006/relationships" xmlns:p="http://schemas.openxmlformats.org/presentationml/2006/main">
   <p:cSld>
     <p:spTree>
@@ -16745,7 +16680,7 @@
           <p:cNvPr id="8" name="Ovale 7">
             <a:extLst>
               <a:ext uri="{C183D7F6-B498-43B3-948B-1728B52AA6E4}">
-                <adec:decorative xmlns:adec="http://schemas.microsoft.com/office/drawing/2017/decorative" val="1"/>
+                <adec:decorative xmlns:adec="http://schemas.microsoft.com/office/drawing/2017/decorative" xmlns="" val="1"/>
               </a:ext>
             </a:extLst>
           </p:cNvPr>
@@ -16927,7 +16862,7 @@
                 </a:solidFill>
               </a:rPr>
               <a:pPr rtl="0"/>
-              <a:t>24</a:t>
+              <a:t>25</a:t>
             </a:fld>
             <a:endParaRPr lang="fr-FR" sz="1000">
               <a:solidFill>
@@ -17047,7 +16982,7 @@
 </p:sld>
 </file>
 
-<file path=ppt/slides/slide25.xml><?xml version="1.0" encoding="utf-8"?>
+<file path=ppt/slides/slide26.xml><?xml version="1.0" encoding="utf-8"?>
 <p:sld xmlns:a="http://schemas.openxmlformats.org/drawingml/2006/main" xmlns:r="http://schemas.openxmlformats.org/officeDocument/2006/relationships" xmlns:p="http://schemas.openxmlformats.org/presentationml/2006/main">
   <p:cSld>
     <p:spTree>
@@ -17332,7 +17267,7 @@
 </p:sld>
 </file>
 
-<file path=ppt/slides/slide26.xml><?xml version="1.0" encoding="utf-8"?>
+<file path=ppt/slides/slide27.xml><?xml version="1.0" encoding="utf-8"?>
 <p:sld xmlns:a="http://schemas.openxmlformats.org/drawingml/2006/main" xmlns:r="http://schemas.openxmlformats.org/officeDocument/2006/relationships" xmlns:p="http://schemas.openxmlformats.org/presentationml/2006/main">
   <p:cSld>
     <p:spTree>
@@ -17476,7 +17411,7 @@
 </p:sld>
 </file>
 
-<file path=ppt/slides/slide27.xml><?xml version="1.0" encoding="utf-8"?>
+<file path=ppt/slides/slide28.xml><?xml version="1.0" encoding="utf-8"?>
 <p:sld xmlns:a="http://schemas.openxmlformats.org/drawingml/2006/main" xmlns:r="http://schemas.openxmlformats.org/officeDocument/2006/relationships" xmlns:p="http://schemas.openxmlformats.org/presentationml/2006/main">
   <p:cSld>
     <p:spTree>
@@ -17938,7 +17873,7 @@
 </p:sld>
 </file>
 
-<file path=ppt/slides/slide28.xml><?xml version="1.0" encoding="utf-8"?>
+<file path=ppt/slides/slide29.xml><?xml version="1.0" encoding="utf-8"?>
 <p:sld xmlns:a="http://schemas.openxmlformats.org/drawingml/2006/main" xmlns:r="http://schemas.openxmlformats.org/officeDocument/2006/relationships" xmlns:p="http://schemas.openxmlformats.org/presentationml/2006/main">
   <p:cSld>
     <p:spTree>
@@ -18202,7 +18137,417 @@
 </p:sld>
 </file>
 
-<file path=ppt/slides/slide29.xml><?xml version="1.0" encoding="utf-8"?>
+<file path=ppt/slides/slide3.xml><?xml version="1.0" encoding="utf-8"?>
+<p:sld xmlns:a="http://schemas.openxmlformats.org/drawingml/2006/main" xmlns:r="http://schemas.openxmlformats.org/officeDocument/2006/relationships" xmlns:p="http://schemas.openxmlformats.org/presentationml/2006/main">
+  <p:cSld>
+    <p:spTree>
+      <p:nvGrpSpPr>
+        <p:cNvPr id="1" name=""/>
+        <p:cNvGrpSpPr/>
+        <p:nvPr/>
+      </p:nvGrpSpPr>
+      <p:grpSpPr>
+        <a:xfrm>
+          <a:off x="0" y="0"/>
+          <a:ext cx="0" cy="0"/>
+          <a:chOff x="0" y="0"/>
+          <a:chExt cx="0" cy="0"/>
+        </a:xfrm>
+      </p:grpSpPr>
+      <p:sp>
+        <p:nvSpPr>
+          <p:cNvPr id="4" name="Espace réservé du texte 3"/>
+          <p:cNvSpPr>
+            <a:spLocks noGrp="1"/>
+          </p:cNvSpPr>
+          <p:nvPr>
+            <p:ph type="body" idx="13"/>
+          </p:nvPr>
+        </p:nvSpPr>
+        <p:spPr>
+          <a:xfrm>
+            <a:off x="6234811" y="1077687"/>
+            <a:ext cx="4560094" cy="465997"/>
+          </a:xfrm>
+        </p:spPr>
+        <p:txBody>
+          <a:bodyPr rtlCol="0"/>
+          <a:lstStyle/>
+          <a:p>
+            <a:pPr rtl="0"/>
+            <a:r>
+              <a:rPr lang="fr-FR" sz="4000" dirty="0" smtClean="0"/>
+              <a:t>PLAN:</a:t>
+            </a:r>
+            <a:endParaRPr lang="fr-FR" sz="4000" dirty="0"/>
+          </a:p>
+        </p:txBody>
+      </p:sp>
+      <p:sp>
+        <p:nvSpPr>
+          <p:cNvPr id="8" name="Titre 4">
+            <a:extLst>
+              <a:ext uri="{FF2B5EF4-FFF2-40B4-BE49-F238E27FC236}">
+                <a16:creationId xmlns:a16="http://schemas.microsoft.com/office/drawing/2014/main" id="{10B5E282-F9E3-4977-BB58-01203C133C4B}"/>
+              </a:ext>
+            </a:extLst>
+          </p:cNvPr>
+          <p:cNvSpPr txBox="1">
+            <a:spLocks/>
+          </p:cNvSpPr>
+          <p:nvPr/>
+        </p:nvSpPr>
+        <p:spPr>
+          <a:xfrm>
+            <a:off x="6234811" y="1629559"/>
+            <a:ext cx="5756892" cy="4201341"/>
+          </a:xfrm>
+          <a:prstGeom prst="rect">
+            <a:avLst/>
+          </a:prstGeom>
+        </p:spPr>
+        <p:txBody>
+          <a:bodyPr vert="horz" lIns="91440" tIns="0" rIns="91440" bIns="0" rtlCol="0" anchor="ctr" anchorCtr="0">
+            <a:noAutofit/>
+          </a:bodyPr>
+          <a:lstStyle>
+            <a:lvl1pPr algn="l" defTabSz="914400" rtl="0" eaLnBrk="1" latinLnBrk="0" hangingPunct="1">
+              <a:lnSpc>
+                <a:spcPct val="90000"/>
+              </a:lnSpc>
+              <a:spcBef>
+                <a:spcPct val="0"/>
+              </a:spcBef>
+              <a:buNone/>
+              <a:defRPr lang="en-US" sz="3600" b="0" kern="1200" baseline="0">
+                <a:solidFill>
+                  <a:schemeClr val="tx1">
+                    <a:lumMod val="85000"/>
+                    <a:lumOff val="15000"/>
+                  </a:schemeClr>
+                </a:solidFill>
+                <a:latin typeface="+mj-lt"/>
+                <a:ea typeface="+mn-ea"/>
+                <a:cs typeface="+mn-cs"/>
+              </a:defRPr>
+            </a:lvl1pPr>
+          </a:lstStyle>
+          <a:p>
+            <a:pPr marL="857250" indent="-857250">
+              <a:buFont typeface="+mj-lt"/>
+              <a:buAutoNum type="romanUcPeriod"/>
+            </a:pPr>
+            <a:r>
+              <a:rPr lang="fr-FR" dirty="0" smtClean="0"/>
+              <a:t>Qu'est-ce que </a:t>
+            </a:r>
+            <a:r>
+              <a:rPr lang="fr-FR" dirty="0" err="1" smtClean="0"/>
+              <a:t>oozie</a:t>
+            </a:r>
+            <a:r>
+              <a:rPr lang="fr-FR" dirty="0" smtClean="0"/>
+              <a:t>?</a:t>
+            </a:r>
+            <a:endParaRPr lang="fr-FR" dirty="0" smtClean="0"/>
+          </a:p>
+          <a:p>
+            <a:pPr marL="857250" indent="-857250">
+              <a:buFont typeface="+mj-lt"/>
+              <a:buAutoNum type="romanUcPeriod"/>
+            </a:pPr>
+            <a:r>
+              <a:rPr lang="fr-FR" dirty="0" smtClean="0"/>
+              <a:t>Workflow</a:t>
+            </a:r>
+          </a:p>
+          <a:p>
+            <a:pPr marL="857250" indent="-857250">
+              <a:buFont typeface="+mj-lt"/>
+              <a:buAutoNum type="romanUcPeriod"/>
+            </a:pPr>
+            <a:r>
+              <a:rPr lang="fr-FR" dirty="0" err="1" smtClean="0"/>
+              <a:t>Coordinator</a:t>
+            </a:r>
+            <a:endParaRPr lang="fr-FR" dirty="0" smtClean="0"/>
+          </a:p>
+          <a:p>
+            <a:pPr marL="857250" indent="-857250">
+              <a:buFont typeface="+mj-lt"/>
+              <a:buAutoNum type="romanUcPeriod"/>
+            </a:pPr>
+            <a:r>
+              <a:rPr lang="fr-FR" dirty="0" smtClean="0"/>
+              <a:t>Apache </a:t>
+            </a:r>
+            <a:r>
+              <a:rPr lang="fr-FR" dirty="0" err="1" smtClean="0"/>
+              <a:t>mahout</a:t>
+            </a:r>
+            <a:endParaRPr lang="fr-FR" dirty="0" smtClean="0"/>
+          </a:p>
+          <a:p>
+            <a:pPr marL="857250" indent="-857250">
+              <a:buFont typeface="+mj-lt"/>
+              <a:buAutoNum type="romanUcPeriod"/>
+            </a:pPr>
+            <a:r>
+              <a:rPr lang="fr-FR" dirty="0" smtClean="0"/>
+              <a:t>Des algorithmes</a:t>
+            </a:r>
+          </a:p>
+          <a:p>
+            <a:pPr marL="857250" indent="-857250">
+              <a:buFont typeface="+mj-lt"/>
+              <a:buAutoNum type="romanUcPeriod"/>
+            </a:pPr>
+            <a:r>
+              <a:rPr lang="fr-FR" dirty="0" smtClean="0"/>
+              <a:t>Recommandation en </a:t>
+            </a:r>
+            <a:r>
+              <a:rPr lang="fr-FR" dirty="0" err="1" smtClean="0"/>
+              <a:t>mahout</a:t>
+            </a:r>
+            <a:r>
+              <a:rPr lang="fr-FR" dirty="0" smtClean="0"/>
+              <a:t> (pratique)</a:t>
+            </a:r>
+            <a:endParaRPr lang="fr-FR" dirty="0"/>
+          </a:p>
+        </p:txBody>
+      </p:sp>
+      <p:sp>
+        <p:nvSpPr>
+          <p:cNvPr id="9" name="Titre 4">
+            <a:extLst>
+              <a:ext uri="{FF2B5EF4-FFF2-40B4-BE49-F238E27FC236}">
+                <a16:creationId xmlns:a16="http://schemas.microsoft.com/office/drawing/2014/main" id="{4B975E2C-25F1-4752-8114-63B713749CC4}"/>
+              </a:ext>
+            </a:extLst>
+          </p:cNvPr>
+          <p:cNvSpPr txBox="1">
+            <a:spLocks/>
+          </p:cNvSpPr>
+          <p:nvPr/>
+        </p:nvSpPr>
+        <p:spPr>
+          <a:xfrm>
+            <a:off x="6893682" y="2517822"/>
+            <a:ext cx="4562856" cy="741135"/>
+          </a:xfrm>
+          <a:prstGeom prst="rect">
+            <a:avLst/>
+          </a:prstGeom>
+        </p:spPr>
+        <p:txBody>
+          <a:bodyPr vert="horz" lIns="91440" tIns="0" rIns="91440" bIns="0" rtlCol="0" anchor="ctr" anchorCtr="0">
+            <a:noAutofit/>
+          </a:bodyPr>
+          <a:lstStyle>
+            <a:lvl1pPr algn="l" defTabSz="914400" rtl="0" eaLnBrk="1" latinLnBrk="0" hangingPunct="1">
+              <a:lnSpc>
+                <a:spcPct val="90000"/>
+              </a:lnSpc>
+              <a:spcBef>
+                <a:spcPct val="0"/>
+              </a:spcBef>
+              <a:buNone/>
+              <a:defRPr lang="en-US" sz="3600" b="0" kern="1200" baseline="0">
+                <a:solidFill>
+                  <a:schemeClr val="tx1">
+                    <a:lumMod val="85000"/>
+                    <a:lumOff val="15000"/>
+                  </a:schemeClr>
+                </a:solidFill>
+                <a:latin typeface="+mj-lt"/>
+                <a:ea typeface="+mn-ea"/>
+                <a:cs typeface="+mn-cs"/>
+              </a:defRPr>
+            </a:lvl1pPr>
+          </a:lstStyle>
+          <a:p>
+            <a:endParaRPr lang="fr-FR" dirty="0"/>
+          </a:p>
+        </p:txBody>
+      </p:sp>
+      <p:sp>
+        <p:nvSpPr>
+          <p:cNvPr id="10" name="Titre 4">
+            <a:extLst>
+              <a:ext uri="{FF2B5EF4-FFF2-40B4-BE49-F238E27FC236}">
+                <a16:creationId xmlns:a16="http://schemas.microsoft.com/office/drawing/2014/main" id="{B9DE8B79-E7A9-4F8B-AAAF-4F71F797493F}"/>
+              </a:ext>
+            </a:extLst>
+          </p:cNvPr>
+          <p:cNvSpPr txBox="1">
+            <a:spLocks/>
+          </p:cNvSpPr>
+          <p:nvPr/>
+        </p:nvSpPr>
+        <p:spPr>
+          <a:xfrm>
+            <a:off x="6893682" y="3481428"/>
+            <a:ext cx="4562856" cy="741135"/>
+          </a:xfrm>
+          <a:prstGeom prst="rect">
+            <a:avLst/>
+          </a:prstGeom>
+        </p:spPr>
+        <p:txBody>
+          <a:bodyPr vert="horz" lIns="91440" tIns="0" rIns="91440" bIns="0" rtlCol="0" anchor="ctr" anchorCtr="0">
+            <a:noAutofit/>
+          </a:bodyPr>
+          <a:lstStyle>
+            <a:lvl1pPr algn="l" defTabSz="914400" rtl="0" eaLnBrk="1" latinLnBrk="0" hangingPunct="1">
+              <a:lnSpc>
+                <a:spcPct val="90000"/>
+              </a:lnSpc>
+              <a:spcBef>
+                <a:spcPct val="0"/>
+              </a:spcBef>
+              <a:buNone/>
+              <a:defRPr lang="en-US" sz="3600" b="0" kern="1200" baseline="0">
+                <a:solidFill>
+                  <a:schemeClr val="tx1">
+                    <a:lumMod val="85000"/>
+                    <a:lumOff val="15000"/>
+                  </a:schemeClr>
+                </a:solidFill>
+                <a:latin typeface="+mj-lt"/>
+                <a:ea typeface="+mn-ea"/>
+                <a:cs typeface="+mn-cs"/>
+              </a:defRPr>
+            </a:lvl1pPr>
+          </a:lstStyle>
+          <a:p>
+            <a:endParaRPr lang="fr-FR" dirty="0"/>
+          </a:p>
+        </p:txBody>
+      </p:sp>
+      <p:sp>
+        <p:nvSpPr>
+          <p:cNvPr id="11" name="Titre 4">
+            <a:extLst>
+              <a:ext uri="{FF2B5EF4-FFF2-40B4-BE49-F238E27FC236}">
+                <a16:creationId xmlns:a16="http://schemas.microsoft.com/office/drawing/2014/main" id="{6BA1A440-4AA9-473F-9DEB-737E43511108}"/>
+              </a:ext>
+            </a:extLst>
+          </p:cNvPr>
+          <p:cNvSpPr txBox="1">
+            <a:spLocks/>
+          </p:cNvSpPr>
+          <p:nvPr/>
+        </p:nvSpPr>
+        <p:spPr>
+          <a:xfrm>
+            <a:off x="6893682" y="4445034"/>
+            <a:ext cx="4562856" cy="741135"/>
+          </a:xfrm>
+          <a:prstGeom prst="rect">
+            <a:avLst/>
+          </a:prstGeom>
+        </p:spPr>
+        <p:txBody>
+          <a:bodyPr vert="horz" lIns="91440" tIns="0" rIns="91440" bIns="0" rtlCol="0" anchor="ctr" anchorCtr="0">
+            <a:noAutofit/>
+          </a:bodyPr>
+          <a:lstStyle>
+            <a:lvl1pPr algn="l" defTabSz="914400" rtl="0" eaLnBrk="1" latinLnBrk="0" hangingPunct="1">
+              <a:lnSpc>
+                <a:spcPct val="90000"/>
+              </a:lnSpc>
+              <a:spcBef>
+                <a:spcPct val="0"/>
+              </a:spcBef>
+              <a:buNone/>
+              <a:defRPr lang="en-US" sz="3600" b="0" kern="1200" baseline="0">
+                <a:solidFill>
+                  <a:schemeClr val="tx1">
+                    <a:lumMod val="85000"/>
+                    <a:lumOff val="15000"/>
+                  </a:schemeClr>
+                </a:solidFill>
+                <a:latin typeface="+mj-lt"/>
+                <a:ea typeface="+mn-ea"/>
+                <a:cs typeface="+mn-cs"/>
+              </a:defRPr>
+            </a:lvl1pPr>
+          </a:lstStyle>
+          <a:p>
+            <a:endParaRPr lang="fr-FR" dirty="0"/>
+          </a:p>
+        </p:txBody>
+      </p:sp>
+      <p:sp>
+        <p:nvSpPr>
+          <p:cNvPr id="12" name="Titre 4">
+            <a:extLst>
+              <a:ext uri="{FF2B5EF4-FFF2-40B4-BE49-F238E27FC236}">
+                <a16:creationId xmlns:a16="http://schemas.microsoft.com/office/drawing/2014/main" id="{5D4F85BE-4967-4F53-BABB-4474BC5EC6B5}"/>
+              </a:ext>
+            </a:extLst>
+          </p:cNvPr>
+          <p:cNvSpPr txBox="1">
+            <a:spLocks/>
+          </p:cNvSpPr>
+          <p:nvPr/>
+        </p:nvSpPr>
+        <p:spPr>
+          <a:xfrm>
+            <a:off x="6893682" y="5408638"/>
+            <a:ext cx="4562856" cy="741135"/>
+          </a:xfrm>
+          <a:prstGeom prst="rect">
+            <a:avLst/>
+          </a:prstGeom>
+        </p:spPr>
+        <p:txBody>
+          <a:bodyPr vert="horz" lIns="91440" tIns="0" rIns="91440" bIns="0" rtlCol="0" anchor="ctr" anchorCtr="0">
+            <a:noAutofit/>
+          </a:bodyPr>
+          <a:lstStyle>
+            <a:lvl1pPr algn="l" defTabSz="914400" rtl="0" eaLnBrk="1" latinLnBrk="0" hangingPunct="1">
+              <a:lnSpc>
+                <a:spcPct val="90000"/>
+              </a:lnSpc>
+              <a:spcBef>
+                <a:spcPct val="0"/>
+              </a:spcBef>
+              <a:buNone/>
+              <a:defRPr lang="en-US" sz="3600" b="0" kern="1200" baseline="0">
+                <a:solidFill>
+                  <a:schemeClr val="tx1">
+                    <a:lumMod val="85000"/>
+                    <a:lumOff val="15000"/>
+                  </a:schemeClr>
+                </a:solidFill>
+                <a:latin typeface="+mj-lt"/>
+                <a:ea typeface="+mn-ea"/>
+                <a:cs typeface="+mn-cs"/>
+              </a:defRPr>
+            </a:lvl1pPr>
+          </a:lstStyle>
+          <a:p>
+            <a:endParaRPr lang="fr-FR" dirty="0"/>
+          </a:p>
+        </p:txBody>
+      </p:sp>
+    </p:spTree>
+    <p:extLst>
+      <p:ext uri="{BB962C8B-B14F-4D97-AF65-F5344CB8AC3E}">
+        <p14:creationId xmlns:p14="http://schemas.microsoft.com/office/powerpoint/2010/main" val="3994065767"/>
+      </p:ext>
+    </p:extLst>
+  </p:cSld>
+  <p:clrMapOvr>
+    <a:masterClrMapping/>
+  </p:clrMapOvr>
+</p:sld>
+</file>
+
+<file path=ppt/slides/slide30.xml><?xml version="1.0" encoding="utf-8"?>
 <p:sld xmlns:a="http://schemas.openxmlformats.org/drawingml/2006/main" xmlns:r="http://schemas.openxmlformats.org/officeDocument/2006/relationships" xmlns:p="http://schemas.openxmlformats.org/presentationml/2006/main">
   <p:cSld>
     <p:spTree>
@@ -18527,327 +18872,7 @@
 </p:sld>
 </file>
 
-<file path=ppt/slides/slide3.xml><?xml version="1.0" encoding="utf-8"?>
-<p:sld xmlns:a="http://schemas.openxmlformats.org/drawingml/2006/main" xmlns:r="http://schemas.openxmlformats.org/officeDocument/2006/relationships" xmlns:p="http://schemas.openxmlformats.org/presentationml/2006/main">
-  <p:cSld>
-    <p:spTree>
-      <p:nvGrpSpPr>
-        <p:cNvPr id="1" name=""/>
-        <p:cNvGrpSpPr/>
-        <p:nvPr/>
-      </p:nvGrpSpPr>
-      <p:grpSpPr>
-        <a:xfrm>
-          <a:off x="0" y="0"/>
-          <a:ext cx="0" cy="0"/>
-          <a:chOff x="0" y="0"/>
-          <a:chExt cx="0" cy="0"/>
-        </a:xfrm>
-      </p:grpSpPr>
-      <p:pic>
-        <p:nvPicPr>
-          <p:cNvPr id="17" name="Espace réservé d’image 16">
-            <a:extLst>
-              <a:ext uri="{FF2B5EF4-FFF2-40B4-BE49-F238E27FC236}">
-                <a16:creationId xmlns:a16="http://schemas.microsoft.com/office/drawing/2014/main" id="{1E3B9FEC-22B7-4FE3-B73D-CDC86E43E160}"/>
-              </a:ext>
-            </a:extLst>
-          </p:cNvPr>
-          <p:cNvPicPr>
-            <a:picLocks noGrp="1" noChangeAspect="1"/>
-          </p:cNvPicPr>
-          <p:nvPr>
-            <p:ph type="pic" sz="quarter" idx="56"/>
-          </p:nvPr>
-        </p:nvPicPr>
-        <p:blipFill>
-          <a:blip r:embed="rId3"/>
-          <a:srcRect/>
-          <a:stretch/>
-        </p:blipFill>
-        <p:spPr>
-          <a:xfrm>
-            <a:off x="1104765" y="0"/>
-            <a:ext cx="3816695" cy="6858000"/>
-          </a:xfrm>
-        </p:spPr>
-      </p:pic>
-      <p:sp>
-        <p:nvSpPr>
-          <p:cNvPr id="5" name="Titre 4">
-            <a:extLst>
-              <a:ext uri="{FF2B5EF4-FFF2-40B4-BE49-F238E27FC236}">
-                <a16:creationId xmlns:a16="http://schemas.microsoft.com/office/drawing/2014/main" id="{C11E0449-C335-46DB-B971-B68D8522B501}"/>
-              </a:ext>
-            </a:extLst>
-          </p:cNvPr>
-          <p:cNvSpPr>
-            <a:spLocks noGrp="1"/>
-          </p:cNvSpPr>
-          <p:nvPr>
-            <p:ph type="title"/>
-          </p:nvPr>
-        </p:nvSpPr>
-        <p:spPr>
-          <a:xfrm>
-            <a:off x="5125347" y="565151"/>
-            <a:ext cx="5568696" cy="1335024"/>
-          </a:xfrm>
-        </p:spPr>
-        <p:txBody>
-          <a:bodyPr rtlCol="0" anchor="ctr"/>
-          <a:lstStyle/>
-          <a:p>
-            <a:r>
-              <a:rPr lang="fr-FR" dirty="0"/>
-              <a:t> QU'EST-CE QUE OOZIE?</a:t>
-            </a:r>
-          </a:p>
-        </p:txBody>
-      </p:sp>
-      <p:sp>
-        <p:nvSpPr>
-          <p:cNvPr id="11" name="Espace réservé du texte 10"/>
-          <p:cNvSpPr>
-            <a:spLocks noGrp="1"/>
-          </p:cNvSpPr>
-          <p:nvPr>
-            <p:ph type="body" sz="quarter" idx="39"/>
-          </p:nvPr>
-        </p:nvSpPr>
-        <p:spPr>
-          <a:xfrm>
-            <a:off x="5125347" y="1923996"/>
-            <a:ext cx="6427482" cy="4934004"/>
-          </a:xfrm>
-        </p:spPr>
-        <p:txBody>
-          <a:bodyPr rtlCol="0"/>
-          <a:lstStyle/>
-          <a:p>
-            <a:pPr marL="0" indent="0" algn="just">
-              <a:buNone/>
-            </a:pPr>
-            <a:r>
-              <a:rPr lang="fr-FR" sz="1600" dirty="0" err="1"/>
-              <a:t>Oozie</a:t>
-            </a:r>
-            <a:r>
-              <a:rPr lang="fr-FR" sz="1600" dirty="0"/>
-              <a:t> est un projet open source Apache, développé à l'origine chez Yahoo. </a:t>
-            </a:r>
-            <a:r>
-              <a:rPr lang="fr-FR" sz="1600" dirty="0" err="1"/>
-              <a:t>Oozie</a:t>
-            </a:r>
-            <a:r>
-              <a:rPr lang="fr-FR" sz="1600" dirty="0"/>
-              <a:t> est un système de planification à usage général pour les travaux Hadoop multi-étapes.</a:t>
-            </a:r>
-          </a:p>
-          <a:p>
-            <a:pPr algn="just"/>
-            <a:r>
-              <a:rPr lang="fr-FR" sz="1600" dirty="0" err="1"/>
-              <a:t>Oozie</a:t>
-            </a:r>
-            <a:r>
-              <a:rPr lang="fr-FR" sz="1600" dirty="0"/>
-              <a:t> permet de former un regroupement logique des tâches Hadoop pertinentes dans une entité appelée Workflow . Les workflows d'</a:t>
-            </a:r>
-            <a:r>
-              <a:rPr lang="fr-FR" sz="1600" dirty="0" err="1"/>
-              <a:t>Oozie</a:t>
-            </a:r>
-            <a:r>
-              <a:rPr lang="fr-FR" sz="1600" dirty="0"/>
-              <a:t> sont des DAG (</a:t>
-            </a:r>
-            <a:r>
-              <a:rPr lang="fr-FR" sz="1600" dirty="0" err="1"/>
-              <a:t>Directed</a:t>
-            </a:r>
-            <a:r>
-              <a:rPr lang="fr-FR" sz="1600" dirty="0"/>
-              <a:t> </a:t>
-            </a:r>
-            <a:r>
-              <a:rPr lang="fr-FR" sz="1600" dirty="0" err="1"/>
-              <a:t>Cyclic</a:t>
-            </a:r>
-            <a:r>
-              <a:rPr lang="fr-FR" sz="1600" dirty="0"/>
-              <a:t> Graph) d'actions.</a:t>
-            </a:r>
-          </a:p>
-          <a:p>
-            <a:pPr algn="just"/>
-            <a:r>
-              <a:rPr lang="fr-FR" sz="1600" dirty="0" err="1"/>
-              <a:t>Oozie</a:t>
-            </a:r>
-            <a:r>
-              <a:rPr lang="fr-FR" sz="1600" dirty="0"/>
-              <a:t> permet de planifier le workflow en fonction de l' heure ou des données à l' aide d’une entité appelée </a:t>
-            </a:r>
-            <a:r>
-              <a:rPr lang="fr-FR" sz="1600" dirty="0" err="1"/>
-              <a:t>Coordinator</a:t>
-            </a:r>
-            <a:r>
-              <a:rPr lang="fr-FR" sz="1600" dirty="0"/>
-              <a:t> .</a:t>
-            </a:r>
-          </a:p>
-          <a:p>
-            <a:pPr algn="just"/>
-            <a:r>
-              <a:rPr lang="fr-FR" sz="1600" dirty="0"/>
-              <a:t>De plus, vous pouvez combiner les coordinateurs associés dans une entité appelée Bundle et peut être programmé sur un serveur </a:t>
-            </a:r>
-            <a:r>
-              <a:rPr lang="fr-FR" sz="1600" dirty="0" err="1"/>
-              <a:t>Oozie</a:t>
-            </a:r>
-            <a:r>
-              <a:rPr lang="fr-FR" sz="1600" dirty="0"/>
-              <a:t> pour exécution.</a:t>
-            </a:r>
-          </a:p>
-        </p:txBody>
-      </p:sp>
-      <p:sp>
-        <p:nvSpPr>
-          <p:cNvPr id="2" name="Rectangle 1">
-            <a:extLst>
-              <a:ext uri="{FF2B5EF4-FFF2-40B4-BE49-F238E27FC236}">
-                <a16:creationId xmlns:a16="http://schemas.microsoft.com/office/drawing/2014/main" id="{132155E7-96C8-4012-ABA6-50730E6E2B39}"/>
-              </a:ext>
-            </a:extLst>
-          </p:cNvPr>
-          <p:cNvSpPr/>
-          <p:nvPr/>
-        </p:nvSpPr>
-        <p:spPr>
-          <a:xfrm>
-            <a:off x="1404730" y="3246783"/>
-            <a:ext cx="728870" cy="477078"/>
-          </a:xfrm>
-          <a:prstGeom prst="rect">
-            <a:avLst/>
-          </a:prstGeom>
-          <a:solidFill>
-            <a:srgbClr val="5397D8"/>
-          </a:solidFill>
-          <a:ln>
-            <a:solidFill>
-              <a:srgbClr val="5397D8"/>
-            </a:solidFill>
-          </a:ln>
-        </p:spPr>
-        <p:style>
-          <a:lnRef idx="2">
-            <a:schemeClr val="accent1">
-              <a:shade val="50000"/>
-            </a:schemeClr>
-          </a:lnRef>
-          <a:fillRef idx="1">
-            <a:schemeClr val="accent1"/>
-          </a:fillRef>
-          <a:effectRef idx="0">
-            <a:schemeClr val="accent1"/>
-          </a:effectRef>
-          <a:fontRef idx="minor">
-            <a:schemeClr val="lt1"/>
-          </a:fontRef>
-        </p:style>
-        <p:txBody>
-          <a:bodyPr rtlCol="0" anchor="ctr"/>
-          <a:lstStyle/>
-          <a:p>
-            <a:pPr algn="ctr"/>
-            <a:endParaRPr lang="fr-FR"/>
-          </a:p>
-        </p:txBody>
-      </p:sp>
-      <p:sp>
-        <p:nvSpPr>
-          <p:cNvPr id="7" name="ZoneTexte 6">
-            <a:extLst>
-              <a:ext uri="{FF2B5EF4-FFF2-40B4-BE49-F238E27FC236}">
-                <a16:creationId xmlns:a16="http://schemas.microsoft.com/office/drawing/2014/main" id="{0E08C009-FDEC-4F68-996A-527437CAB801}"/>
-              </a:ext>
-            </a:extLst>
-          </p:cNvPr>
-          <p:cNvSpPr txBox="1"/>
-          <p:nvPr/>
-        </p:nvSpPr>
-        <p:spPr>
-          <a:xfrm rot="16200000">
-            <a:off x="-304814" y="3228945"/>
-            <a:ext cx="1645923" cy="400110"/>
-          </a:xfrm>
-          <a:prstGeom prst="rect">
-            <a:avLst/>
-          </a:prstGeom>
-          <a:solidFill>
-            <a:schemeClr val="bg1"/>
-          </a:solidFill>
-          <a:ln>
-            <a:noFill/>
-          </a:ln>
-        </p:spPr>
-        <p:style>
-          <a:lnRef idx="2">
-            <a:schemeClr val="dk1"/>
-          </a:lnRef>
-          <a:fillRef idx="1">
-            <a:schemeClr val="lt1"/>
-          </a:fillRef>
-          <a:effectRef idx="0">
-            <a:schemeClr val="dk1"/>
-          </a:effectRef>
-          <a:fontRef idx="minor">
-            <a:schemeClr val="dk1"/>
-          </a:fontRef>
-        </p:style>
-        <p:txBody>
-          <a:bodyPr vert="horz" wrap="square" rtlCol="0" anchor="ctr">
-            <a:spAutoFit/>
-          </a:bodyPr>
-          <a:lstStyle/>
-          <a:p>
-            <a:pPr algn="ctr"/>
-            <a:r>
-              <a:rPr lang="fr-FR" sz="2000" dirty="0" err="1">
-                <a:solidFill>
-                  <a:schemeClr val="accent6"/>
-                </a:solidFill>
-              </a:rPr>
-              <a:t>oozie</a:t>
-            </a:r>
-            <a:endParaRPr lang="fr-FR" sz="2000" dirty="0">
-              <a:solidFill>
-                <a:schemeClr val="accent6"/>
-              </a:solidFill>
-            </a:endParaRPr>
-          </a:p>
-        </p:txBody>
-      </p:sp>
-    </p:spTree>
-    <p:extLst>
-      <p:ext uri="{BB962C8B-B14F-4D97-AF65-F5344CB8AC3E}">
-        <p14:creationId xmlns:p14="http://schemas.microsoft.com/office/powerpoint/2010/main" val="2271454662"/>
-      </p:ext>
-    </p:extLst>
-  </p:cSld>
-  <p:clrMapOvr>
-    <a:masterClrMapping/>
-  </p:clrMapOvr>
-</p:sld>
-</file>
-
-<file path=ppt/slides/slide30.xml><?xml version="1.0" encoding="utf-8"?>
+<file path=ppt/slides/slide31.xml><?xml version="1.0" encoding="utf-8"?>
 <p:sld xmlns:a="http://schemas.openxmlformats.org/drawingml/2006/main" xmlns:r="http://schemas.openxmlformats.org/officeDocument/2006/relationships" xmlns:p="http://schemas.openxmlformats.org/presentationml/2006/main">
   <p:cSld>
     <p:spTree>
@@ -19174,7 +19199,7 @@
                 </a:solidFill>
               </a:rPr>
               <a:pPr rtl="0"/>
-              <a:t>30</a:t>
+              <a:t>31</a:t>
             </a:fld>
             <a:endParaRPr lang="fr-FR" sz="1000">
               <a:solidFill>
@@ -19287,7 +19312,7 @@
 </p:sld>
 </file>
 
-<file path=ppt/slides/slide31.xml><?xml version="1.0" encoding="utf-8"?>
+<file path=ppt/slides/slide32.xml><?xml version="1.0" encoding="utf-8"?>
 <p:sld xmlns:a="http://schemas.openxmlformats.org/drawingml/2006/main" xmlns:r="http://schemas.openxmlformats.org/officeDocument/2006/relationships" xmlns:p="http://schemas.openxmlformats.org/presentationml/2006/main">
   <p:cSld>
     <p:spTree>
@@ -19884,7 +19909,7 @@
                     <a14:useLocalDpi xmlns:a14="http://schemas.microsoft.com/office/drawing/2010/main"/>
                   </a:ext>
                   <a:ext uri="{96DAC541-7B7A-43D3-8B79-37D633B846F1}">
-                    <asvg:svgBlip xmlns:asvg="http://schemas.microsoft.com/office/drawing/2016/SVG/main" r:embed="rId4"/>
+                    <asvg:svgBlip xmlns:asvg="http://schemas.microsoft.com/office/drawing/2016/SVG/main" xmlns="" r:embed="rId4"/>
                   </a:ext>
                 </a:extLst>
               </a:blip>
@@ -19923,7 +19948,7 @@
                     <a14:useLocalDpi xmlns:a14="http://schemas.microsoft.com/office/drawing/2010/main"/>
                   </a:ext>
                   <a:ext uri="{96DAC541-7B7A-43D3-8B79-37D633B846F1}">
-                    <asvg:svgBlip xmlns:asvg="http://schemas.microsoft.com/office/drawing/2016/SVG/main" r:embed="rId6"/>
+                    <asvg:svgBlip xmlns:asvg="http://schemas.microsoft.com/office/drawing/2016/SVG/main" xmlns="" r:embed="rId6"/>
                   </a:ext>
                 </a:extLst>
               </a:blip>
@@ -20493,7 +20518,7 @@
                     <a14:useLocalDpi xmlns:a14="http://schemas.microsoft.com/office/drawing/2010/main"/>
                   </a:ext>
                   <a:ext uri="{96DAC541-7B7A-43D3-8B79-37D633B846F1}">
-                    <asvg:svgBlip xmlns:asvg="http://schemas.microsoft.com/office/drawing/2016/SVG/main" r:embed="rId4"/>
+                    <asvg:svgBlip xmlns:asvg="http://schemas.microsoft.com/office/drawing/2016/SVG/main" xmlns="" r:embed="rId4"/>
                   </a:ext>
                 </a:extLst>
               </a:blip>
@@ -20532,7 +20557,7 @@
                     <a14:useLocalDpi xmlns:a14="http://schemas.microsoft.com/office/drawing/2010/main"/>
                   </a:ext>
                   <a:ext uri="{96DAC541-7B7A-43D3-8B79-37D633B846F1}">
-                    <asvg:svgBlip xmlns:asvg="http://schemas.microsoft.com/office/drawing/2016/SVG/main" r:embed="rId6"/>
+                    <asvg:svgBlip xmlns:asvg="http://schemas.microsoft.com/office/drawing/2016/SVG/main" xmlns="" r:embed="rId6"/>
                   </a:ext>
                 </a:extLst>
               </a:blip>
@@ -20625,6 +20650,326 @@
 </file>
 
 <file path=ppt/slides/slide4.xml><?xml version="1.0" encoding="utf-8"?>
+<p:sld xmlns:a="http://schemas.openxmlformats.org/drawingml/2006/main" xmlns:r="http://schemas.openxmlformats.org/officeDocument/2006/relationships" xmlns:p="http://schemas.openxmlformats.org/presentationml/2006/main">
+  <p:cSld>
+    <p:spTree>
+      <p:nvGrpSpPr>
+        <p:cNvPr id="1" name=""/>
+        <p:cNvGrpSpPr/>
+        <p:nvPr/>
+      </p:nvGrpSpPr>
+      <p:grpSpPr>
+        <a:xfrm>
+          <a:off x="0" y="0"/>
+          <a:ext cx="0" cy="0"/>
+          <a:chOff x="0" y="0"/>
+          <a:chExt cx="0" cy="0"/>
+        </a:xfrm>
+      </p:grpSpPr>
+      <p:pic>
+        <p:nvPicPr>
+          <p:cNvPr id="17" name="Espace réservé d’image 16">
+            <a:extLst>
+              <a:ext uri="{FF2B5EF4-FFF2-40B4-BE49-F238E27FC236}">
+                <a16:creationId xmlns:a16="http://schemas.microsoft.com/office/drawing/2014/main" id="{1E3B9FEC-22B7-4FE3-B73D-CDC86E43E160}"/>
+              </a:ext>
+            </a:extLst>
+          </p:cNvPr>
+          <p:cNvPicPr>
+            <a:picLocks noGrp="1" noChangeAspect="1"/>
+          </p:cNvPicPr>
+          <p:nvPr>
+            <p:ph type="pic" sz="quarter" idx="56"/>
+          </p:nvPr>
+        </p:nvPicPr>
+        <p:blipFill>
+          <a:blip r:embed="rId3"/>
+          <a:srcRect/>
+          <a:stretch/>
+        </p:blipFill>
+        <p:spPr>
+          <a:xfrm>
+            <a:off x="1104765" y="0"/>
+            <a:ext cx="3816695" cy="6858000"/>
+          </a:xfrm>
+        </p:spPr>
+      </p:pic>
+      <p:sp>
+        <p:nvSpPr>
+          <p:cNvPr id="5" name="Titre 4">
+            <a:extLst>
+              <a:ext uri="{FF2B5EF4-FFF2-40B4-BE49-F238E27FC236}">
+                <a16:creationId xmlns:a16="http://schemas.microsoft.com/office/drawing/2014/main" id="{C11E0449-C335-46DB-B971-B68D8522B501}"/>
+              </a:ext>
+            </a:extLst>
+          </p:cNvPr>
+          <p:cNvSpPr>
+            <a:spLocks noGrp="1"/>
+          </p:cNvSpPr>
+          <p:nvPr>
+            <p:ph type="title"/>
+          </p:nvPr>
+        </p:nvSpPr>
+        <p:spPr>
+          <a:xfrm>
+            <a:off x="5125347" y="565151"/>
+            <a:ext cx="5568696" cy="1335024"/>
+          </a:xfrm>
+        </p:spPr>
+        <p:txBody>
+          <a:bodyPr rtlCol="0" anchor="ctr"/>
+          <a:lstStyle/>
+          <a:p>
+            <a:r>
+              <a:rPr lang="fr-FR" dirty="0"/>
+              <a:t> QU'EST-CE QUE OOZIE?</a:t>
+            </a:r>
+          </a:p>
+        </p:txBody>
+      </p:sp>
+      <p:sp>
+        <p:nvSpPr>
+          <p:cNvPr id="11" name="Espace réservé du texte 10"/>
+          <p:cNvSpPr>
+            <a:spLocks noGrp="1"/>
+          </p:cNvSpPr>
+          <p:nvPr>
+            <p:ph type="body" sz="quarter" idx="39"/>
+          </p:nvPr>
+        </p:nvSpPr>
+        <p:spPr>
+          <a:xfrm>
+            <a:off x="5125347" y="1923996"/>
+            <a:ext cx="6427482" cy="4934004"/>
+          </a:xfrm>
+        </p:spPr>
+        <p:txBody>
+          <a:bodyPr rtlCol="0"/>
+          <a:lstStyle/>
+          <a:p>
+            <a:pPr marL="0" indent="0" algn="just">
+              <a:buNone/>
+            </a:pPr>
+            <a:r>
+              <a:rPr lang="fr-FR" sz="1600" dirty="0" err="1"/>
+              <a:t>Oozie</a:t>
+            </a:r>
+            <a:r>
+              <a:rPr lang="fr-FR" sz="1600" dirty="0"/>
+              <a:t> est un projet open source Apache, développé à l'origine chez Yahoo. </a:t>
+            </a:r>
+            <a:r>
+              <a:rPr lang="fr-FR" sz="1600" dirty="0" err="1"/>
+              <a:t>Oozie</a:t>
+            </a:r>
+            <a:r>
+              <a:rPr lang="fr-FR" sz="1600" dirty="0"/>
+              <a:t> est un système de planification à usage général pour les travaux Hadoop multi-étapes.</a:t>
+            </a:r>
+          </a:p>
+          <a:p>
+            <a:pPr algn="just"/>
+            <a:r>
+              <a:rPr lang="fr-FR" sz="1600" dirty="0" err="1"/>
+              <a:t>Oozie</a:t>
+            </a:r>
+            <a:r>
+              <a:rPr lang="fr-FR" sz="1600" dirty="0"/>
+              <a:t> permet de former un regroupement logique des tâches Hadoop pertinentes dans une entité appelée Workflow . Les workflows d'</a:t>
+            </a:r>
+            <a:r>
+              <a:rPr lang="fr-FR" sz="1600" dirty="0" err="1"/>
+              <a:t>Oozie</a:t>
+            </a:r>
+            <a:r>
+              <a:rPr lang="fr-FR" sz="1600" dirty="0"/>
+              <a:t> sont des DAG (</a:t>
+            </a:r>
+            <a:r>
+              <a:rPr lang="fr-FR" sz="1600" dirty="0" err="1"/>
+              <a:t>Directed</a:t>
+            </a:r>
+            <a:r>
+              <a:rPr lang="fr-FR" sz="1600" dirty="0"/>
+              <a:t> </a:t>
+            </a:r>
+            <a:r>
+              <a:rPr lang="fr-FR" sz="1600" dirty="0" err="1"/>
+              <a:t>Cyclic</a:t>
+            </a:r>
+            <a:r>
+              <a:rPr lang="fr-FR" sz="1600" dirty="0"/>
+              <a:t> Graph) d'actions.</a:t>
+            </a:r>
+          </a:p>
+          <a:p>
+            <a:pPr algn="just"/>
+            <a:r>
+              <a:rPr lang="fr-FR" sz="1600" dirty="0" err="1"/>
+              <a:t>Oozie</a:t>
+            </a:r>
+            <a:r>
+              <a:rPr lang="fr-FR" sz="1600" dirty="0"/>
+              <a:t> permet de planifier le workflow en fonction de l' heure ou des données à l' aide d’une entité appelée </a:t>
+            </a:r>
+            <a:r>
+              <a:rPr lang="fr-FR" sz="1600" dirty="0" err="1"/>
+              <a:t>Coordinator</a:t>
+            </a:r>
+            <a:r>
+              <a:rPr lang="fr-FR" sz="1600" dirty="0"/>
+              <a:t> .</a:t>
+            </a:r>
+          </a:p>
+          <a:p>
+            <a:pPr algn="just"/>
+            <a:r>
+              <a:rPr lang="fr-FR" sz="1600" dirty="0"/>
+              <a:t>De plus, vous pouvez combiner les coordinateurs associés dans une entité appelée Bundle et peut être programmé sur un serveur </a:t>
+            </a:r>
+            <a:r>
+              <a:rPr lang="fr-FR" sz="1600" dirty="0" err="1"/>
+              <a:t>Oozie</a:t>
+            </a:r>
+            <a:r>
+              <a:rPr lang="fr-FR" sz="1600" dirty="0"/>
+              <a:t> pour exécution.</a:t>
+            </a:r>
+          </a:p>
+        </p:txBody>
+      </p:sp>
+      <p:sp>
+        <p:nvSpPr>
+          <p:cNvPr id="2" name="Rectangle 1">
+            <a:extLst>
+              <a:ext uri="{FF2B5EF4-FFF2-40B4-BE49-F238E27FC236}">
+                <a16:creationId xmlns:a16="http://schemas.microsoft.com/office/drawing/2014/main" id="{132155E7-96C8-4012-ABA6-50730E6E2B39}"/>
+              </a:ext>
+            </a:extLst>
+          </p:cNvPr>
+          <p:cNvSpPr/>
+          <p:nvPr/>
+        </p:nvSpPr>
+        <p:spPr>
+          <a:xfrm>
+            <a:off x="1404730" y="3246783"/>
+            <a:ext cx="728870" cy="477078"/>
+          </a:xfrm>
+          <a:prstGeom prst="rect">
+            <a:avLst/>
+          </a:prstGeom>
+          <a:solidFill>
+            <a:srgbClr val="5397D8"/>
+          </a:solidFill>
+          <a:ln>
+            <a:solidFill>
+              <a:srgbClr val="5397D8"/>
+            </a:solidFill>
+          </a:ln>
+        </p:spPr>
+        <p:style>
+          <a:lnRef idx="2">
+            <a:schemeClr val="accent1">
+              <a:shade val="50000"/>
+            </a:schemeClr>
+          </a:lnRef>
+          <a:fillRef idx="1">
+            <a:schemeClr val="accent1"/>
+          </a:fillRef>
+          <a:effectRef idx="0">
+            <a:schemeClr val="accent1"/>
+          </a:effectRef>
+          <a:fontRef idx="minor">
+            <a:schemeClr val="lt1"/>
+          </a:fontRef>
+        </p:style>
+        <p:txBody>
+          <a:bodyPr rtlCol="0" anchor="ctr"/>
+          <a:lstStyle/>
+          <a:p>
+            <a:pPr algn="ctr"/>
+            <a:endParaRPr lang="fr-FR"/>
+          </a:p>
+        </p:txBody>
+      </p:sp>
+      <p:sp>
+        <p:nvSpPr>
+          <p:cNvPr id="7" name="ZoneTexte 6">
+            <a:extLst>
+              <a:ext uri="{FF2B5EF4-FFF2-40B4-BE49-F238E27FC236}">
+                <a16:creationId xmlns:a16="http://schemas.microsoft.com/office/drawing/2014/main" id="{0E08C009-FDEC-4F68-996A-527437CAB801}"/>
+              </a:ext>
+            </a:extLst>
+          </p:cNvPr>
+          <p:cNvSpPr txBox="1"/>
+          <p:nvPr/>
+        </p:nvSpPr>
+        <p:spPr>
+          <a:xfrm rot="16200000">
+            <a:off x="-304814" y="3228945"/>
+            <a:ext cx="1645923" cy="400110"/>
+          </a:xfrm>
+          <a:prstGeom prst="rect">
+            <a:avLst/>
+          </a:prstGeom>
+          <a:solidFill>
+            <a:schemeClr val="bg1"/>
+          </a:solidFill>
+          <a:ln>
+            <a:noFill/>
+          </a:ln>
+        </p:spPr>
+        <p:style>
+          <a:lnRef idx="2">
+            <a:schemeClr val="dk1"/>
+          </a:lnRef>
+          <a:fillRef idx="1">
+            <a:schemeClr val="lt1"/>
+          </a:fillRef>
+          <a:effectRef idx="0">
+            <a:schemeClr val="dk1"/>
+          </a:effectRef>
+          <a:fontRef idx="minor">
+            <a:schemeClr val="dk1"/>
+          </a:fontRef>
+        </p:style>
+        <p:txBody>
+          <a:bodyPr vert="horz" wrap="square" rtlCol="0" anchor="ctr">
+            <a:spAutoFit/>
+          </a:bodyPr>
+          <a:lstStyle/>
+          <a:p>
+            <a:pPr algn="ctr"/>
+            <a:r>
+              <a:rPr lang="fr-FR" sz="2000" dirty="0" err="1">
+                <a:solidFill>
+                  <a:schemeClr val="accent6"/>
+                </a:solidFill>
+              </a:rPr>
+              <a:t>oozie</a:t>
+            </a:r>
+            <a:endParaRPr lang="fr-FR" sz="2000" dirty="0">
+              <a:solidFill>
+                <a:schemeClr val="accent6"/>
+              </a:solidFill>
+            </a:endParaRPr>
+          </a:p>
+        </p:txBody>
+      </p:sp>
+    </p:spTree>
+    <p:extLst>
+      <p:ext uri="{BB962C8B-B14F-4D97-AF65-F5344CB8AC3E}">
+        <p14:creationId xmlns:p14="http://schemas.microsoft.com/office/powerpoint/2010/main" val="2271454662"/>
+      </p:ext>
+    </p:extLst>
+  </p:cSld>
+  <p:clrMapOvr>
+    <a:masterClrMapping/>
+  </p:clrMapOvr>
+</p:sld>
+</file>
+
+<file path=ppt/slides/slide5.xml><?xml version="1.0" encoding="utf-8"?>
 <p:sld xmlns:a="http://schemas.openxmlformats.org/drawingml/2006/main" xmlns:r="http://schemas.openxmlformats.org/officeDocument/2006/relationships" xmlns:p="http://schemas.openxmlformats.org/presentationml/2006/main">
   <p:cSld>
     <p:spTree>
@@ -21268,7 +21613,7 @@
 </p:sld>
 </file>
 
-<file path=ppt/slides/slide5.xml><?xml version="1.0" encoding="utf-8"?>
+<file path=ppt/slides/slide6.xml><?xml version="1.0" encoding="utf-8"?>
 <p:sld xmlns:a="http://schemas.openxmlformats.org/drawingml/2006/main" xmlns:r="http://schemas.openxmlformats.org/officeDocument/2006/relationships" xmlns:p="http://schemas.openxmlformats.org/presentationml/2006/main">
   <p:cSld>
     <p:spTree>
@@ -21576,7 +21921,7 @@
 </p:sld>
 </file>
 
-<file path=ppt/slides/slide6.xml><?xml version="1.0" encoding="utf-8"?>
+<file path=ppt/slides/slide7.xml><?xml version="1.0" encoding="utf-8"?>
 <p:sld xmlns:a="http://schemas.openxmlformats.org/drawingml/2006/main" xmlns:r="http://schemas.openxmlformats.org/officeDocument/2006/relationships" xmlns:p="http://schemas.openxmlformats.org/presentationml/2006/main">
   <p:cSld>
     <p:spTree>
@@ -21698,7 +22043,7 @@
 </p:sld>
 </file>
 
-<file path=ppt/slides/slide7.xml><?xml version="1.0" encoding="utf-8"?>
+<file path=ppt/slides/slide8.xml><?xml version="1.0" encoding="utf-8"?>
 <p:sld xmlns:a="http://schemas.openxmlformats.org/drawingml/2006/main" xmlns:r="http://schemas.openxmlformats.org/officeDocument/2006/relationships" xmlns:p="http://schemas.openxmlformats.org/presentationml/2006/main">
   <p:cSld>
     <p:spTree>
@@ -23110,7 +23455,7 @@
 </p:sld>
 </file>
 
-<file path=ppt/slides/slide8.xml><?xml version="1.0" encoding="utf-8"?>
+<file path=ppt/slides/slide9.xml><?xml version="1.0" encoding="utf-8"?>
 <p:sld xmlns:a="http://schemas.openxmlformats.org/drawingml/2006/main" xmlns:r="http://schemas.openxmlformats.org/officeDocument/2006/relationships" xmlns:p="http://schemas.openxmlformats.org/presentationml/2006/main">
   <p:cSld>
     <p:spTree>
@@ -23430,157 +23775,6 @@
     <p:extLst>
       <p:ext uri="{BB962C8B-B14F-4D97-AF65-F5344CB8AC3E}">
         <p14:creationId xmlns:p14="http://schemas.microsoft.com/office/powerpoint/2010/main" val="3461640009"/>
-      </p:ext>
-    </p:extLst>
-  </p:cSld>
-  <p:clrMapOvr>
-    <a:masterClrMapping/>
-  </p:clrMapOvr>
-</p:sld>
-</file>
-
-<file path=ppt/slides/slide9.xml><?xml version="1.0" encoding="utf-8"?>
-<p:sld xmlns:a="http://schemas.openxmlformats.org/drawingml/2006/main" xmlns:r="http://schemas.openxmlformats.org/officeDocument/2006/relationships" xmlns:p="http://schemas.openxmlformats.org/presentationml/2006/main">
-  <p:cSld>
-    <p:spTree>
-      <p:nvGrpSpPr>
-        <p:cNvPr id="1" name=""/>
-        <p:cNvGrpSpPr/>
-        <p:nvPr/>
-      </p:nvGrpSpPr>
-      <p:grpSpPr>
-        <a:xfrm>
-          <a:off x="0" y="0"/>
-          <a:ext cx="0" cy="0"/>
-          <a:chOff x="0" y="0"/>
-          <a:chExt cx="0" cy="0"/>
-        </a:xfrm>
-      </p:grpSpPr>
-      <p:pic>
-        <p:nvPicPr>
-          <p:cNvPr id="6" name="Espace réservé du contenu 5">
-            <a:extLst>
-              <a:ext uri="{FF2B5EF4-FFF2-40B4-BE49-F238E27FC236}">
-                <a16:creationId xmlns:a16="http://schemas.microsoft.com/office/drawing/2014/main" id="{1C1280A8-54AB-4802-9A86-8E4D7FBD0803}"/>
-              </a:ext>
-            </a:extLst>
-          </p:cNvPr>
-          <p:cNvPicPr>
-            <a:picLocks noGrp="1" noChangeAspect="1"/>
-          </p:cNvPicPr>
-          <p:nvPr>
-            <p:ph idx="1"/>
-          </p:nvPr>
-        </p:nvPicPr>
-        <p:blipFill rotWithShape="1">
-          <a:blip r:embed="rId2"/>
-          <a:srcRect t="6575" b="5249"/>
-          <a:stretch/>
-        </p:blipFill>
-        <p:spPr>
-          <a:xfrm>
-            <a:off x="1104900" y="1231762"/>
-            <a:ext cx="10612542" cy="5261113"/>
-          </a:xfrm>
-        </p:spPr>
-      </p:pic>
-      <p:sp>
-        <p:nvSpPr>
-          <p:cNvPr id="3" name="Titre 2">
-            <a:extLst>
-              <a:ext uri="{FF2B5EF4-FFF2-40B4-BE49-F238E27FC236}">
-                <a16:creationId xmlns:a16="http://schemas.microsoft.com/office/drawing/2014/main" id="{510384FC-A680-403B-B5DA-272CED97E263}"/>
-              </a:ext>
-            </a:extLst>
-          </p:cNvPr>
-          <p:cNvSpPr>
-            <a:spLocks noGrp="1"/>
-          </p:cNvSpPr>
-          <p:nvPr>
-            <p:ph type="title"/>
-          </p:nvPr>
-        </p:nvSpPr>
-        <p:spPr/>
-        <p:txBody>
-          <a:bodyPr/>
-          <a:lstStyle/>
-          <a:p>
-            <a:r>
-              <a:rPr lang="en-US" dirty="0"/>
-              <a:t>Workflow job Status : Web UI</a:t>
-            </a:r>
-            <a:endParaRPr lang="fr-FR" dirty="0"/>
-          </a:p>
-        </p:txBody>
-      </p:sp>
-      <p:sp>
-        <p:nvSpPr>
-          <p:cNvPr id="4" name="ZoneTexte 3">
-            <a:extLst>
-              <a:ext uri="{FF2B5EF4-FFF2-40B4-BE49-F238E27FC236}">
-                <a16:creationId xmlns:a16="http://schemas.microsoft.com/office/drawing/2014/main" id="{EFF80298-7197-40AE-AC14-DFEE635B1650}"/>
-              </a:ext>
-            </a:extLst>
-          </p:cNvPr>
-          <p:cNvSpPr txBox="1"/>
-          <p:nvPr/>
-        </p:nvSpPr>
-        <p:spPr>
-          <a:xfrm rot="16200000">
-            <a:off x="-304814" y="3228945"/>
-            <a:ext cx="1645923" cy="400110"/>
-          </a:xfrm>
-          <a:prstGeom prst="rect">
-            <a:avLst/>
-          </a:prstGeom>
-          <a:solidFill>
-            <a:schemeClr val="bg1"/>
-          </a:solidFill>
-          <a:ln>
-            <a:noFill/>
-          </a:ln>
-        </p:spPr>
-        <p:style>
-          <a:lnRef idx="2">
-            <a:schemeClr val="dk1"/>
-          </a:lnRef>
-          <a:fillRef idx="1">
-            <a:schemeClr val="lt1"/>
-          </a:fillRef>
-          <a:effectRef idx="0">
-            <a:schemeClr val="dk1"/>
-          </a:effectRef>
-          <a:fontRef idx="minor">
-            <a:schemeClr val="dk1"/>
-          </a:fontRef>
-        </p:style>
-        <p:txBody>
-          <a:bodyPr vert="horz" wrap="square" rtlCol="0" anchor="ctr">
-            <a:spAutoFit/>
-          </a:bodyPr>
-          <a:lstStyle/>
-          <a:p>
-            <a:pPr algn="ctr"/>
-            <a:r>
-              <a:rPr lang="fr-FR" sz="2000" dirty="0" err="1">
-                <a:solidFill>
-                  <a:schemeClr val="accent6"/>
-                </a:solidFill>
-              </a:rPr>
-              <a:t>oozie</a:t>
-            </a:r>
-            <a:endParaRPr lang="fr-FR" sz="2000" dirty="0">
-              <a:solidFill>
-                <a:schemeClr val="accent6"/>
-              </a:solidFill>
-            </a:endParaRPr>
-          </a:p>
-        </p:txBody>
-      </p:sp>
-    </p:spTree>
-    <p:extLst>
-      <p:ext uri="{BB962C8B-B14F-4D97-AF65-F5344CB8AC3E}">
-        <p14:creationId xmlns:p14="http://schemas.microsoft.com/office/powerpoint/2010/main" val="412930978"/>
       </p:ext>
     </p:extLst>
   </p:cSld>
@@ -24476,20 +24670,20 @@
 </file>
 
 <file path=customXml/item1.xml><?xml version="1.0" encoding="utf-8"?>
+<p:properties xmlns:p="http://schemas.microsoft.com/office/2006/metadata/properties" xmlns:xsi="http://www.w3.org/2001/XMLSchema-instance" xmlns:pc="http://schemas.microsoft.com/office/infopath/2007/PartnerControls">
+  <documentManagement>
+    <MediaServiceKeyPoints xmlns="71af3243-3dd4-4a8d-8c0d-dd76da1f02a5" xsi:nil="true"/>
+  </documentManagement>
+</p:properties>
+</file>
+
+<file path=customXml/item2.xml><?xml version="1.0" encoding="utf-8"?>
 <?mso-contentType ?>
 <FormTemplates xmlns="http://schemas.microsoft.com/sharepoint/v3/contenttype/forms">
   <Display>DocumentLibraryForm</Display>
   <Edit>DocumentLibraryForm</Edit>
   <New>DocumentLibraryForm</New>
 </FormTemplates>
-</file>
-
-<file path=customXml/item2.xml><?xml version="1.0" encoding="utf-8"?>
-<p:properties xmlns:p="http://schemas.microsoft.com/office/2006/metadata/properties" xmlns:xsi="http://www.w3.org/2001/XMLSchema-instance" xmlns:pc="http://schemas.microsoft.com/office/infopath/2007/PartnerControls">
-  <documentManagement>
-    <MediaServiceKeyPoints xmlns="71af3243-3dd4-4a8d-8c0d-dd76da1f02a5" xsi:nil="true"/>
-  </documentManagement>
-</p:properties>
 </file>
 
 <file path=customXml/item3.xml><?xml version="1.0" encoding="utf-8"?>
@@ -24704,19 +24898,19 @@
 </file>
 
 <file path=customXml/itemProps1.xml><?xml version="1.0" encoding="utf-8"?>
-<ds:datastoreItem xmlns:ds="http://schemas.openxmlformats.org/officeDocument/2006/customXml" ds:itemID="{6D0B596E-8E5F-4DB7-9C0B-A416410C0FAB}">
+<ds:datastoreItem xmlns:ds="http://schemas.openxmlformats.org/officeDocument/2006/customXml" ds:itemID="{271DA07E-9A1F-402C-A357-ABD24F8C703B}">
   <ds:schemaRefs>
-    <ds:schemaRef ds:uri="http://schemas.microsoft.com/sharepoint/v3/contenttype/forms"/>
+    <ds:schemaRef ds:uri="http://schemas.microsoft.com/office/2006/metadata/properties"/>
+    <ds:schemaRef ds:uri="http://schemas.microsoft.com/office/infopath/2007/PartnerControls"/>
+    <ds:schemaRef ds:uri="71af3243-3dd4-4a8d-8c0d-dd76da1f02a5"/>
   </ds:schemaRefs>
 </ds:datastoreItem>
 </file>
 
 <file path=customXml/itemProps2.xml><?xml version="1.0" encoding="utf-8"?>
-<ds:datastoreItem xmlns:ds="http://schemas.openxmlformats.org/officeDocument/2006/customXml" ds:itemID="{271DA07E-9A1F-402C-A357-ABD24F8C703B}">
+<ds:datastoreItem xmlns:ds="http://schemas.openxmlformats.org/officeDocument/2006/customXml" ds:itemID="{6D0B596E-8E5F-4DB7-9C0B-A416410C0FAB}">
   <ds:schemaRefs>
-    <ds:schemaRef ds:uri="http://schemas.microsoft.com/office/2006/metadata/properties"/>
-    <ds:schemaRef ds:uri="http://schemas.microsoft.com/office/infopath/2007/PartnerControls"/>
-    <ds:schemaRef ds:uri="71af3243-3dd4-4a8d-8c0d-dd76da1f02a5"/>
+    <ds:schemaRef ds:uri="http://schemas.microsoft.com/sharepoint/v3/contenttype/forms"/>
   </ds:schemaRefs>
 </ds:datastoreItem>
 </file>
